--- a/lecture-presentations/2019-01-29.pptx
+++ b/lecture-presentations/2019-01-29.pptx
@@ -5,21 +5,22 @@
     <p:sldMasterId id="2147483648" r:id="rId1"/>
   </p:sldMasterIdLst>
   <p:notesMasterIdLst>
-    <p:notesMasterId r:id="rId14"/>
+    <p:notesMasterId r:id="rId15"/>
   </p:notesMasterIdLst>
   <p:sldIdLst>
     <p:sldId id="305" r:id="rId2"/>
     <p:sldId id="526" r:id="rId3"/>
-    <p:sldId id="264" r:id="rId4"/>
-    <p:sldId id="524" r:id="rId5"/>
-    <p:sldId id="525" r:id="rId6"/>
-    <p:sldId id="527" r:id="rId7"/>
-    <p:sldId id="313" r:id="rId8"/>
-    <p:sldId id="519" r:id="rId9"/>
-    <p:sldId id="521" r:id="rId10"/>
-    <p:sldId id="419" r:id="rId11"/>
-    <p:sldId id="502" r:id="rId12"/>
-    <p:sldId id="271" r:id="rId13"/>
+    <p:sldId id="525" r:id="rId4"/>
+    <p:sldId id="527" r:id="rId5"/>
+    <p:sldId id="322" r:id="rId6"/>
+    <p:sldId id="419" r:id="rId7"/>
+    <p:sldId id="484" r:id="rId8"/>
+    <p:sldId id="313" r:id="rId9"/>
+    <p:sldId id="519" r:id="rId10"/>
+    <p:sldId id="521" r:id="rId11"/>
+    <p:sldId id="528" r:id="rId12"/>
+    <p:sldId id="502" r:id="rId13"/>
+    <p:sldId id="271" r:id="rId14"/>
   </p:sldIdLst>
   <p:sldSz cx="12192000" cy="6858000"/>
   <p:notesSz cx="6858000" cy="9144000"/>
@@ -208,7 +209,7 @@
           <a:p>
             <a:fld id="{A677DEB0-5AA4-49C7-B0AD-AD047A002C4C}" type="datetimeFigureOut">
               <a:rPr lang="en-US" smtClean="0"/>
-              <a:t>1/28/2019</a:t>
+              <a:t>1/29/2019</a:t>
             </a:fld>
             <a:endParaRPr lang="en-US"/>
           </a:p>
@@ -624,7 +625,7 @@
           <a:p>
             <a:fld id="{5394DE12-7B9B-46AA-AC19-C30A49928B9B}" type="slidenum">
               <a:rPr lang="en-US" smtClean="0"/>
-              <a:t>12</a:t>
+              <a:t>13</a:t>
             </a:fld>
             <a:endParaRPr lang="en-US" dirty="0"/>
           </a:p>
@@ -801,7 +802,7 @@
     </p:spTree>
     <p:extLst>
       <p:ext uri="{BB962C8B-B14F-4D97-AF65-F5344CB8AC3E}">
-        <p14:creationId xmlns:p14="http://schemas.microsoft.com/office/powerpoint/2010/main" val="803635471"/>
+        <p14:creationId xmlns:p14="http://schemas.microsoft.com/office/powerpoint/2010/main" val="176233646"/>
       </p:ext>
     </p:extLst>
   </p:cSld>
@@ -885,7 +886,7 @@
     </p:spTree>
     <p:extLst>
       <p:ext uri="{BB962C8B-B14F-4D97-AF65-F5344CB8AC3E}">
-        <p14:creationId xmlns:p14="http://schemas.microsoft.com/office/powerpoint/2010/main" val="1971274670"/>
+        <p14:creationId xmlns:p14="http://schemas.microsoft.com/office/powerpoint/2010/main" val="3583113955"/>
       </p:ext>
     </p:extLst>
   </p:cSld>
@@ -939,6 +940,34 @@
           <a:bodyPr/>
           <a:lstStyle/>
           <a:p>
+            <a:r>
+              <a:rPr lang="en-US" sz="1000" dirty="0"/>
+              <a:t>Optimism, good natured humor, and effectively working together is immensely important to delivering good software… and likely equally important to delivering just about any quality product</a:t>
+            </a:r>
+          </a:p>
+          <a:p>
+            <a:endParaRPr lang="en-US" sz="1000" dirty="0"/>
+          </a:p>
+          <a:p>
+            <a:r>
+              <a:rPr lang="en-US" sz="1000" dirty="0"/>
+              <a:t>Even if you don’t intend to be a professional software developer, many of the things that we learn will be valuable in related areas. </a:t>
+            </a:r>
+          </a:p>
+          <a:p>
+            <a:endParaRPr lang="en-US" sz="1000" dirty="0"/>
+          </a:p>
+          <a:p>
+            <a:r>
+              <a:rPr lang="en-US" sz="1000" dirty="0" err="1"/>
+              <a:t>Soooo</a:t>
+            </a:r>
+            <a:r>
+              <a:rPr lang="en-US" sz="1000" dirty="0"/>
+              <a:t>… We have 16 weeks to learn something valuable and interesting. Let’s enjoy our time together and make the most out of it. </a:t>
+            </a:r>
+          </a:p>
+          <a:p>
             <a:endParaRPr lang="en-US" sz="1000" dirty="0"/>
           </a:p>
         </p:txBody>
@@ -960,7 +989,7 @@
           <a:p>
             <a:fld id="{5394DE12-7B9B-46AA-AC19-C30A49928B9B}" type="slidenum">
               <a:rPr lang="en-US" smtClean="0"/>
-              <a:t>5</a:t>
+              <a:t>7</a:t>
             </a:fld>
             <a:endParaRPr lang="en-US" dirty="0"/>
           </a:p>
@@ -969,7 +998,7 @@
     </p:spTree>
     <p:extLst>
       <p:ext uri="{BB962C8B-B14F-4D97-AF65-F5344CB8AC3E}">
-        <p14:creationId xmlns:p14="http://schemas.microsoft.com/office/powerpoint/2010/main" val="176233646"/>
+        <p14:creationId xmlns:p14="http://schemas.microsoft.com/office/powerpoint/2010/main" val="607646624"/>
       </p:ext>
     </p:extLst>
   </p:cSld>
@@ -1044,7 +1073,7 @@
           <a:p>
             <a:fld id="{5394DE12-7B9B-46AA-AC19-C30A49928B9B}" type="slidenum">
               <a:rPr lang="en-US" smtClean="0"/>
-              <a:t>6</a:t>
+              <a:t>8</a:t>
             </a:fld>
             <a:endParaRPr lang="en-US" dirty="0"/>
           </a:p>
@@ -1053,7 +1082,7 @@
     </p:spTree>
     <p:extLst>
       <p:ext uri="{BB962C8B-B14F-4D97-AF65-F5344CB8AC3E}">
-        <p14:creationId xmlns:p14="http://schemas.microsoft.com/office/powerpoint/2010/main" val="3583113955"/>
+        <p14:creationId xmlns:p14="http://schemas.microsoft.com/office/powerpoint/2010/main" val="14327604"/>
       </p:ext>
     </p:extLst>
   </p:cSld>
@@ -1128,7 +1157,7 @@
           <a:p>
             <a:fld id="{5394DE12-7B9B-46AA-AC19-C30A49928B9B}" type="slidenum">
               <a:rPr lang="en-US" smtClean="0"/>
-              <a:t>7</a:t>
+              <a:t>9</a:t>
             </a:fld>
             <a:endParaRPr lang="en-US" dirty="0"/>
           </a:p>
@@ -1137,7 +1166,7 @@
     </p:spTree>
     <p:extLst>
       <p:ext uri="{BB962C8B-B14F-4D97-AF65-F5344CB8AC3E}">
-        <p14:creationId xmlns:p14="http://schemas.microsoft.com/office/powerpoint/2010/main" val="14327604"/>
+        <p14:creationId xmlns:p14="http://schemas.microsoft.com/office/powerpoint/2010/main" val="2439651701"/>
       </p:ext>
     </p:extLst>
   </p:cSld>
@@ -1191,7 +1220,7 @@
           <a:bodyPr/>
           <a:lstStyle/>
           <a:p>
-            <a:endParaRPr lang="en-US" sz="1000" dirty="0"/>
+            <a:endParaRPr lang="en-US" dirty="0"/>
           </a:p>
         </p:txBody>
       </p:sp>
@@ -1202,7 +1231,7 @@
             <a:spLocks noGrp="1"/>
           </p:cNvSpPr>
           <p:nvPr>
-            <p:ph type="sldNum" sz="quarter" idx="10"/>
+            <p:ph type="sldNum" sz="quarter" idx="5"/>
           </p:nvPr>
         </p:nvSpPr>
         <p:spPr/>
@@ -1210,18 +1239,18 @@
           <a:bodyPr/>
           <a:lstStyle/>
           <a:p>
-            <a:fld id="{5394DE12-7B9B-46AA-AC19-C30A49928B9B}" type="slidenum">
+            <a:fld id="{35A4D32B-0177-4B34-AE20-6C72705619FE}" type="slidenum">
               <a:rPr lang="en-US" smtClean="0"/>
-              <a:t>8</a:t>
+              <a:t>10</a:t>
             </a:fld>
-            <a:endParaRPr lang="en-US" dirty="0"/>
+            <a:endParaRPr lang="en-US"/>
           </a:p>
         </p:txBody>
       </p:sp>
     </p:spTree>
     <p:extLst>
       <p:ext uri="{BB962C8B-B14F-4D97-AF65-F5344CB8AC3E}">
-        <p14:creationId xmlns:p14="http://schemas.microsoft.com/office/powerpoint/2010/main" val="2439651701"/>
+        <p14:creationId xmlns:p14="http://schemas.microsoft.com/office/powerpoint/2010/main" val="314697702"/>
       </p:ext>
     </p:extLst>
   </p:cSld>
@@ -1275,37 +1304,65 @@
           <a:bodyPr/>
           <a:lstStyle/>
           <a:p>
+            <a:r>
+              <a:rPr lang="en-US" sz="1000" dirty="0"/>
+              <a:t>Optimism, good natured humor, and effectively working together is immensely important to delivering good software… and likely equally important to delivering just about any quality product</a:t>
+            </a:r>
+          </a:p>
+          <a:p>
+            <a:endParaRPr lang="en-US" sz="1000" dirty="0"/>
+          </a:p>
+          <a:p>
+            <a:r>
+              <a:rPr lang="en-US" sz="1000" dirty="0"/>
+              <a:t>Even if you don’t intend to be a professional software developer, many of the things that we learn will be valuable in related areas. </a:t>
+            </a:r>
+          </a:p>
+          <a:p>
+            <a:endParaRPr lang="en-US" sz="1000" dirty="0"/>
+          </a:p>
+          <a:p>
+            <a:r>
+              <a:rPr lang="en-US" sz="1000" dirty="0" err="1"/>
+              <a:t>Soooo</a:t>
+            </a:r>
+            <a:r>
+              <a:rPr lang="en-US" sz="1000" dirty="0"/>
+              <a:t>… We have 16 weeks to learn something valuable and interesting. Let’s enjoy our time together and make the most out of it. </a:t>
+            </a:r>
+          </a:p>
+          <a:p>
+            <a:endParaRPr lang="en-US" sz="1000" dirty="0"/>
+          </a:p>
+        </p:txBody>
+      </p:sp>
+      <p:sp>
+        <p:nvSpPr>
+          <p:cNvPr id="4" name="Slide Number Placeholder 3"/>
+          <p:cNvSpPr>
+            <a:spLocks noGrp="1"/>
+          </p:cNvSpPr>
+          <p:nvPr>
+            <p:ph type="sldNum" sz="quarter" idx="10"/>
+          </p:nvPr>
+        </p:nvSpPr>
+        <p:spPr/>
+        <p:txBody>
+          <a:bodyPr/>
+          <a:lstStyle/>
+          <a:p>
+            <a:fld id="{5394DE12-7B9B-46AA-AC19-C30A49928B9B}" type="slidenum">
+              <a:rPr lang="en-US" smtClean="0"/>
+              <a:t>11</a:t>
+            </a:fld>
             <a:endParaRPr lang="en-US" dirty="0"/>
-          </a:p>
-        </p:txBody>
-      </p:sp>
-      <p:sp>
-        <p:nvSpPr>
-          <p:cNvPr id="4" name="Slide Number Placeholder 3"/>
-          <p:cNvSpPr>
-            <a:spLocks noGrp="1"/>
-          </p:cNvSpPr>
-          <p:nvPr>
-            <p:ph type="sldNum" sz="quarter" idx="5"/>
-          </p:nvPr>
-        </p:nvSpPr>
-        <p:spPr/>
-        <p:txBody>
-          <a:bodyPr/>
-          <a:lstStyle/>
-          <a:p>
-            <a:fld id="{35A4D32B-0177-4B34-AE20-6C72705619FE}" type="slidenum">
-              <a:rPr lang="en-US" smtClean="0"/>
-              <a:t>9</a:t>
-            </a:fld>
-            <a:endParaRPr lang="en-US"/>
           </a:p>
         </p:txBody>
       </p:sp>
     </p:spTree>
     <p:extLst>
       <p:ext uri="{BB962C8B-B14F-4D97-AF65-F5344CB8AC3E}">
-        <p14:creationId xmlns:p14="http://schemas.microsoft.com/office/powerpoint/2010/main" val="314697702"/>
+        <p14:creationId xmlns:p14="http://schemas.microsoft.com/office/powerpoint/2010/main" val="3869120506"/>
       </p:ext>
     </p:extLst>
   </p:cSld>
@@ -1462,7 +1519,7 @@
           <a:p>
             <a:fld id="{1B52E0E1-344B-4E26-B5AD-CE86AB802485}" type="datetimeFigureOut">
               <a:rPr lang="en-US" smtClean="0"/>
-              <a:t>1/28/2019</a:t>
+              <a:t>1/29/2019</a:t>
             </a:fld>
             <a:endParaRPr lang="en-US"/>
           </a:p>
@@ -1660,7 +1717,7 @@
           <a:p>
             <a:fld id="{1B52E0E1-344B-4E26-B5AD-CE86AB802485}" type="datetimeFigureOut">
               <a:rPr lang="en-US" smtClean="0"/>
-              <a:t>1/28/2019</a:t>
+              <a:t>1/29/2019</a:t>
             </a:fld>
             <a:endParaRPr lang="en-US"/>
           </a:p>
@@ -1868,7 +1925,7 @@
           <a:p>
             <a:fld id="{1B52E0E1-344B-4E26-B5AD-CE86AB802485}" type="datetimeFigureOut">
               <a:rPr lang="en-US" smtClean="0"/>
-              <a:t>1/28/2019</a:t>
+              <a:t>1/29/2019</a:t>
             </a:fld>
             <a:endParaRPr lang="en-US"/>
           </a:p>
@@ -2066,7 +2123,7 @@
           <a:p>
             <a:fld id="{1B52E0E1-344B-4E26-B5AD-CE86AB802485}" type="datetimeFigureOut">
               <a:rPr lang="en-US" smtClean="0"/>
-              <a:t>1/28/2019</a:t>
+              <a:t>1/29/2019</a:t>
             </a:fld>
             <a:endParaRPr lang="en-US"/>
           </a:p>
@@ -2341,7 +2398,7 @@
           <a:p>
             <a:fld id="{1B52E0E1-344B-4E26-B5AD-CE86AB802485}" type="datetimeFigureOut">
               <a:rPr lang="en-US" smtClean="0"/>
-              <a:t>1/28/2019</a:t>
+              <a:t>1/29/2019</a:t>
             </a:fld>
             <a:endParaRPr lang="en-US"/>
           </a:p>
@@ -2606,7 +2663,7 @@
           <a:p>
             <a:fld id="{1B52E0E1-344B-4E26-B5AD-CE86AB802485}" type="datetimeFigureOut">
               <a:rPr lang="en-US" smtClean="0"/>
-              <a:t>1/28/2019</a:t>
+              <a:t>1/29/2019</a:t>
             </a:fld>
             <a:endParaRPr lang="en-US"/>
           </a:p>
@@ -3018,7 +3075,7 @@
           <a:p>
             <a:fld id="{1B52E0E1-344B-4E26-B5AD-CE86AB802485}" type="datetimeFigureOut">
               <a:rPr lang="en-US" smtClean="0"/>
-              <a:t>1/28/2019</a:t>
+              <a:t>1/29/2019</a:t>
             </a:fld>
             <a:endParaRPr lang="en-US"/>
           </a:p>
@@ -3159,7 +3216,7 @@
           <a:p>
             <a:fld id="{1B52E0E1-344B-4E26-B5AD-CE86AB802485}" type="datetimeFigureOut">
               <a:rPr lang="en-US" smtClean="0"/>
-              <a:t>1/28/2019</a:t>
+              <a:t>1/29/2019</a:t>
             </a:fld>
             <a:endParaRPr lang="en-US"/>
           </a:p>
@@ -3272,7 +3329,7 @@
           <a:p>
             <a:fld id="{1B52E0E1-344B-4E26-B5AD-CE86AB802485}" type="datetimeFigureOut">
               <a:rPr lang="en-US" smtClean="0"/>
-              <a:t>1/28/2019</a:t>
+              <a:t>1/29/2019</a:t>
             </a:fld>
             <a:endParaRPr lang="en-US"/>
           </a:p>
@@ -3583,7 +3640,7 @@
           <a:p>
             <a:fld id="{1B52E0E1-344B-4E26-B5AD-CE86AB802485}" type="datetimeFigureOut">
               <a:rPr lang="en-US" smtClean="0"/>
-              <a:t>1/28/2019</a:t>
+              <a:t>1/29/2019</a:t>
             </a:fld>
             <a:endParaRPr lang="en-US"/>
           </a:p>
@@ -3871,7 +3928,7 @@
           <a:p>
             <a:fld id="{1B52E0E1-344B-4E26-B5AD-CE86AB802485}" type="datetimeFigureOut">
               <a:rPr lang="en-US" smtClean="0"/>
-              <a:t>1/28/2019</a:t>
+              <a:t>1/29/2019</a:t>
             </a:fld>
             <a:endParaRPr lang="en-US"/>
           </a:p>
@@ -4112,7 +4169,7 @@
           <a:p>
             <a:fld id="{1B52E0E1-344B-4E26-B5AD-CE86AB802485}" type="datetimeFigureOut">
               <a:rPr lang="en-US" smtClean="0"/>
-              <a:t>1/28/2019</a:t>
+              <a:t>1/29/2019</a:t>
             </a:fld>
             <a:endParaRPr lang="en-US"/>
           </a:p>
@@ -4602,7 +4659,7 @@
         </p:spPr>
         <p:txBody>
           <a:bodyPr>
-            <a:normAutofit lnSpcReduction="10000"/>
+            <a:normAutofit/>
           </a:bodyPr>
           <a:lstStyle/>
           <a:p>
@@ -4631,7 +4688,7 @@
             </a:pPr>
             <a:r>
               <a:rPr lang="en-US" sz="2200" dirty="0"/>
-              <a:t>Sprint Review for Sprint 2</a:t>
+              <a:t>Q&amp;A: Principles</a:t>
             </a:r>
           </a:p>
           <a:p>
@@ -4641,7 +4698,7 @@
             </a:pPr>
             <a:r>
               <a:rPr lang="en-US" sz="2200" dirty="0"/>
-              <a:t>Q&amp;A: Concepts &amp; Practices</a:t>
+              <a:t>Q&amp;A: More Object-Oriented Programming </a:t>
             </a:r>
           </a:p>
           <a:p>
@@ -4651,7 +4708,7 @@
             </a:pPr>
             <a:r>
               <a:rPr lang="en-US" sz="2200" dirty="0"/>
-              <a:t>Q&amp;A: Patterns</a:t>
+              <a:t>Discuss: UML and Phone Example (from Quiz 1)</a:t>
             </a:r>
           </a:p>
           <a:p>
@@ -4661,17 +4718,7 @@
             </a:pPr>
             <a:r>
               <a:rPr lang="en-US" sz="2200" dirty="0"/>
-              <a:t>Q&amp;A: Principles</a:t>
-            </a:r>
-          </a:p>
-          <a:p>
-            <a:pPr marL="457200" indent="-457200">
-              <a:buFont typeface="+mj-lt"/>
-              <a:buAutoNum type="arabicPeriod"/>
-            </a:pPr>
-            <a:r>
-              <a:rPr lang="en-US" sz="2200" dirty="0"/>
-              <a:t>Q&amp;A: More Object-Oriented Programming </a:t>
+              <a:t>Sprint Planning for Sprint 2</a:t>
             </a:r>
           </a:p>
           <a:p>
@@ -4795,6 +4842,685 @@
           <p:cNvPr id="2" name="Title 1">
             <a:extLst>
               <a:ext uri="{FF2B5EF4-FFF2-40B4-BE49-F238E27FC236}">
+                <a16:creationId xmlns:a16="http://schemas.microsoft.com/office/drawing/2014/main" id="{E52A0004-AEC1-4D2F-8A7E-370FDC8B4F59}"/>
+              </a:ext>
+            </a:extLst>
+          </p:cNvPr>
+          <p:cNvSpPr>
+            <a:spLocks noGrp="1"/>
+          </p:cNvSpPr>
+          <p:nvPr>
+            <p:ph type="title"/>
+          </p:nvPr>
+        </p:nvSpPr>
+        <p:spPr>
+          <a:xfrm>
+            <a:off x="5277329" y="640080"/>
+            <a:ext cx="6274590" cy="4018341"/>
+          </a:xfrm>
+          <a:noFill/>
+        </p:spPr>
+        <p:txBody>
+          <a:bodyPr vert="horz" lIns="91440" tIns="45720" rIns="91440" bIns="45720" rtlCol="0" anchor="b">
+            <a:normAutofit/>
+          </a:bodyPr>
+          <a:lstStyle/>
+          <a:p>
+            <a:r>
+              <a:rPr lang="en-US" sz="6000"/>
+              <a:t>BMI Calculator Plus – UML</a:t>
+            </a:r>
+          </a:p>
+        </p:txBody>
+      </p:sp>
+      <p:pic>
+        <p:nvPicPr>
+          <p:cNvPr id="5" name="Picture 4" descr="A close up of text on a whiteboard&#10;&#10;Description automatically generated">
+            <a:extLst>
+              <a:ext uri="{FF2B5EF4-FFF2-40B4-BE49-F238E27FC236}">
+                <a16:creationId xmlns:a16="http://schemas.microsoft.com/office/drawing/2014/main" id="{209B76B0-D4A0-4841-8811-CF57C2FCF540}"/>
+              </a:ext>
+            </a:extLst>
+          </p:cNvPr>
+          <p:cNvPicPr>
+            <a:picLocks noChangeAspect="1"/>
+          </p:cNvPicPr>
+          <p:nvPr/>
+        </p:nvPicPr>
+        <p:blipFill rotWithShape="1">
+          <a:blip r:embed="rId3">
+            <a:extLst>
+              <a:ext uri="{28A0092B-C50C-407E-A947-70E740481C1C}">
+                <a14:useLocalDpi xmlns:a14="http://schemas.microsoft.com/office/drawing/2010/main" val="0"/>
+              </a:ext>
+            </a:extLst>
+          </a:blip>
+          <a:srcRect r="5741"/>
+          <a:stretch/>
+        </p:blipFill>
+        <p:spPr>
+          <a:xfrm>
+            <a:off x="1" y="10"/>
+            <a:ext cx="4654296" cy="6857990"/>
+          </a:xfrm>
+          <a:prstGeom prst="rect">
+            <a:avLst/>
+          </a:prstGeom>
+        </p:spPr>
+      </p:pic>
+    </p:spTree>
+    <p:extLst>
+      <p:ext uri="{BB962C8B-B14F-4D97-AF65-F5344CB8AC3E}">
+        <p14:creationId xmlns:p14="http://schemas.microsoft.com/office/powerpoint/2010/main" val="719920253"/>
+      </p:ext>
+    </p:extLst>
+  </p:cSld>
+  <p:clrMapOvr>
+    <a:masterClrMapping/>
+  </p:clrMapOvr>
+</p:sld>
+</file>
+
+<file path=ppt/slides/slide11.xml><?xml version="1.0" encoding="utf-8"?>
+<p:sld xmlns:a="http://schemas.openxmlformats.org/drawingml/2006/main" xmlns:r="http://schemas.openxmlformats.org/officeDocument/2006/relationships" xmlns:p="http://schemas.openxmlformats.org/presentationml/2006/main">
+  <p:cSld>
+    <p:spTree>
+      <p:nvGrpSpPr>
+        <p:cNvPr id="1" name=""/>
+        <p:cNvGrpSpPr/>
+        <p:nvPr/>
+      </p:nvGrpSpPr>
+      <p:grpSpPr>
+        <a:xfrm>
+          <a:off x="0" y="0"/>
+          <a:ext cx="0" cy="0"/>
+          <a:chOff x="0" y="0"/>
+          <a:chExt cx="0" cy="0"/>
+        </a:xfrm>
+      </p:grpSpPr>
+      <p:sp>
+        <p:nvSpPr>
+          <p:cNvPr id="2" name="Title 1"/>
+          <p:cNvSpPr>
+            <a:spLocks noGrp="1"/>
+          </p:cNvSpPr>
+          <p:nvPr>
+            <p:ph type="ctrTitle"/>
+          </p:nvPr>
+        </p:nvSpPr>
+        <p:spPr>
+          <a:xfrm>
+            <a:off x="654951" y="3025490"/>
+            <a:ext cx="10013049" cy="807019"/>
+          </a:xfrm>
+        </p:spPr>
+        <p:txBody>
+          <a:bodyPr anchor="ctr">
+            <a:noAutofit/>
+          </a:bodyPr>
+          <a:lstStyle/>
+          <a:p>
+            <a:r>
+              <a:rPr lang="en-US" sz="4400" b="1" i="1" u="sng" dirty="0"/>
+              <a:t>As a Team</a:t>
+            </a:r>
+            <a:br>
+              <a:rPr lang="en-US" sz="4400" dirty="0"/>
+            </a:br>
+            <a:r>
+              <a:rPr lang="en-US" sz="4400" dirty="0"/>
+              <a:t>Review Sprint 2 Activities List, </a:t>
+            </a:r>
+            <a:br>
+              <a:rPr lang="en-US" sz="4400" dirty="0"/>
+            </a:br>
+            <a:r>
+              <a:rPr lang="en-US" sz="4400" dirty="0"/>
+              <a:t>Programming Assignment, </a:t>
+            </a:r>
+            <a:br>
+              <a:rPr lang="en-US" sz="4400" dirty="0"/>
+            </a:br>
+            <a:r>
+              <a:rPr lang="en-US" sz="4400" dirty="0"/>
+              <a:t>Quiz, and Discussion Board</a:t>
+            </a:r>
+          </a:p>
+        </p:txBody>
+      </p:sp>
+    </p:spTree>
+    <p:extLst>
+      <p:ext uri="{BB962C8B-B14F-4D97-AF65-F5344CB8AC3E}">
+        <p14:creationId xmlns:p14="http://schemas.microsoft.com/office/powerpoint/2010/main" val="2534066543"/>
+      </p:ext>
+    </p:extLst>
+  </p:cSld>
+  <p:clrMapOvr>
+    <a:masterClrMapping/>
+  </p:clrMapOvr>
+</p:sld>
+</file>
+
+<file path=ppt/slides/slide12.xml><?xml version="1.0" encoding="utf-8"?>
+<p:sld xmlns:a="http://schemas.openxmlformats.org/drawingml/2006/main" xmlns:r="http://schemas.openxmlformats.org/officeDocument/2006/relationships" xmlns:p="http://schemas.openxmlformats.org/presentationml/2006/main">
+  <p:cSld>
+    <p:spTree>
+      <p:nvGrpSpPr>
+        <p:cNvPr id="1" name=""/>
+        <p:cNvGrpSpPr/>
+        <p:nvPr/>
+      </p:nvGrpSpPr>
+      <p:grpSpPr>
+        <a:xfrm>
+          <a:off x="0" y="0"/>
+          <a:ext cx="0" cy="0"/>
+          <a:chOff x="0" y="0"/>
+          <a:chExt cx="0" cy="0"/>
+        </a:xfrm>
+      </p:grpSpPr>
+      <p:sp>
+        <p:nvSpPr>
+          <p:cNvPr id="2" name="Title 1">
+            <a:extLst>
+              <a:ext uri="{FF2B5EF4-FFF2-40B4-BE49-F238E27FC236}">
+                <a16:creationId xmlns:a16="http://schemas.microsoft.com/office/drawing/2014/main" id="{2A5755BE-860E-40EB-ADA6-6E82BCB49EC3}"/>
+              </a:ext>
+            </a:extLst>
+          </p:cNvPr>
+          <p:cNvSpPr>
+            <a:spLocks noGrp="1"/>
+          </p:cNvSpPr>
+          <p:nvPr>
+            <p:ph type="title"/>
+          </p:nvPr>
+        </p:nvSpPr>
+        <p:spPr>
+          <a:xfrm>
+            <a:off x="838200" y="365125"/>
+            <a:ext cx="10515600" cy="1325563"/>
+          </a:xfrm>
+        </p:spPr>
+        <p:txBody>
+          <a:bodyPr/>
+          <a:lstStyle/>
+          <a:p>
+            <a:r>
+              <a:rPr lang="en-US" dirty="0"/>
+              <a:t>Daily Scrum and Report Out starting at 3:10</a:t>
+            </a:r>
+          </a:p>
+        </p:txBody>
+      </p:sp>
+      <p:sp>
+        <p:nvSpPr>
+          <p:cNvPr id="3" name="Content Placeholder 2">
+            <a:extLst>
+              <a:ext uri="{FF2B5EF4-FFF2-40B4-BE49-F238E27FC236}">
+                <a16:creationId xmlns:a16="http://schemas.microsoft.com/office/drawing/2014/main" id="{72EF5DE0-5958-4171-A9E3-3D288A31AC3F}"/>
+              </a:ext>
+            </a:extLst>
+          </p:cNvPr>
+          <p:cNvSpPr>
+            <a:spLocks noGrp="1"/>
+          </p:cNvSpPr>
+          <p:nvPr>
+            <p:ph idx="1"/>
+          </p:nvPr>
+        </p:nvSpPr>
+        <p:spPr>
+          <a:xfrm>
+            <a:off x="838200" y="1654444"/>
+            <a:ext cx="10515600" cy="4522519"/>
+          </a:xfrm>
+        </p:spPr>
+        <p:txBody>
+          <a:bodyPr>
+            <a:normAutofit/>
+          </a:bodyPr>
+          <a:lstStyle/>
+          <a:p>
+            <a:pPr marL="0" indent="0">
+              <a:buNone/>
+            </a:pPr>
+            <a:r>
+              <a:rPr lang="en-US" sz="2400" dirty="0"/>
+              <a:t>Scrum Master stand up, give your name, your team name, and briefly answer the </a:t>
+            </a:r>
+            <a:r>
+              <a:rPr lang="en-US" sz="2400"/>
+              <a:t>following questions:</a:t>
+            </a:r>
+            <a:endParaRPr lang="en-US" sz="2400" dirty="0"/>
+          </a:p>
+          <a:p>
+            <a:pPr marL="514350" indent="-514350">
+              <a:buFont typeface="+mj-lt"/>
+              <a:buAutoNum type="alphaLcParenR"/>
+            </a:pPr>
+            <a:r>
+              <a:rPr lang="en-US" sz="2400" dirty="0"/>
+              <a:t>What did you accomplish since the last meeting?</a:t>
+            </a:r>
+          </a:p>
+          <a:p>
+            <a:pPr marL="514350" indent="-514350">
+              <a:buFont typeface="+mj-lt"/>
+              <a:buAutoNum type="alphaLcParenR"/>
+            </a:pPr>
+            <a:r>
+              <a:rPr lang="en-US" sz="2400" dirty="0"/>
+              <a:t>What will you working on until the next meeting?</a:t>
+            </a:r>
+          </a:p>
+          <a:p>
+            <a:pPr marL="514350" indent="-514350">
+              <a:buFont typeface="+mj-lt"/>
+              <a:buAutoNum type="alphaLcParenR"/>
+            </a:pPr>
+            <a:r>
+              <a:rPr lang="en-US" sz="2400" dirty="0"/>
+              <a:t>Is the team committed to completing the Sprint 1 assignments? All/Most/Some</a:t>
+            </a:r>
+          </a:p>
+          <a:p>
+            <a:pPr marL="514350" indent="-514350">
+              <a:buFont typeface="+mj-lt"/>
+              <a:buAutoNum type="alphaLcParenR"/>
+            </a:pPr>
+            <a:r>
+              <a:rPr lang="en-US" sz="2400" u="sng" dirty="0"/>
+              <a:t>What is getting in your way or keeping you from completing the assignments?</a:t>
+            </a:r>
+          </a:p>
+          <a:p>
+            <a:pPr marL="0" indent="0">
+              <a:buNone/>
+            </a:pPr>
+            <a:endParaRPr lang="en-US" sz="2000" dirty="0"/>
+          </a:p>
+        </p:txBody>
+      </p:sp>
+    </p:spTree>
+    <p:extLst>
+      <p:ext uri="{BB962C8B-B14F-4D97-AF65-F5344CB8AC3E}">
+        <p14:creationId xmlns:p14="http://schemas.microsoft.com/office/powerpoint/2010/main" val="1850029258"/>
+      </p:ext>
+    </p:extLst>
+  </p:cSld>
+  <p:clrMapOvr>
+    <a:masterClrMapping/>
+  </p:clrMapOvr>
+</p:sld>
+</file>
+
+<file path=ppt/slides/slide13.xml><?xml version="1.0" encoding="utf-8"?>
+<p:sld xmlns:a="http://schemas.openxmlformats.org/drawingml/2006/main" xmlns:r="http://schemas.openxmlformats.org/officeDocument/2006/relationships" xmlns:p="http://schemas.openxmlformats.org/presentationml/2006/main">
+  <p:cSld>
+    <p:bg>
+      <p:bgPr>
+        <a:solidFill>
+          <a:schemeClr val="bg1">
+            <a:lumMod val="85000"/>
+          </a:schemeClr>
+        </a:solidFill>
+        <a:effectLst/>
+      </p:bgPr>
+    </p:bg>
+    <p:spTree>
+      <p:nvGrpSpPr>
+        <p:cNvPr id="1" name=""/>
+        <p:cNvGrpSpPr/>
+        <p:nvPr/>
+      </p:nvGrpSpPr>
+      <p:grpSpPr>
+        <a:xfrm>
+          <a:off x="0" y="0"/>
+          <a:ext cx="0" cy="0"/>
+          <a:chOff x="0" y="0"/>
+          <a:chExt cx="0" cy="0"/>
+        </a:xfrm>
+      </p:grpSpPr>
+      <p:sp>
+        <p:nvSpPr>
+          <p:cNvPr id="2" name="Title 1"/>
+          <p:cNvSpPr>
+            <a:spLocks noGrp="1"/>
+          </p:cNvSpPr>
+          <p:nvPr>
+            <p:ph type="ctrTitle"/>
+          </p:nvPr>
+        </p:nvSpPr>
+        <p:spPr>
+          <a:xfrm>
+            <a:off x="1524000" y="3051480"/>
+            <a:ext cx="9144000" cy="755040"/>
+          </a:xfrm>
+        </p:spPr>
+        <p:txBody>
+          <a:bodyPr anchor="ctr">
+            <a:normAutofit/>
+          </a:bodyPr>
+          <a:lstStyle/>
+          <a:p>
+            <a:r>
+              <a:rPr lang="en-US" sz="4800" dirty="0"/>
+              <a:t>End of Session</a:t>
+            </a:r>
+          </a:p>
+        </p:txBody>
+      </p:sp>
+    </p:spTree>
+    <p:extLst>
+      <p:ext uri="{BB962C8B-B14F-4D97-AF65-F5344CB8AC3E}">
+        <p14:creationId xmlns:p14="http://schemas.microsoft.com/office/powerpoint/2010/main" val="1130818612"/>
+      </p:ext>
+    </p:extLst>
+  </p:cSld>
+  <p:clrMapOvr>
+    <a:masterClrMapping/>
+  </p:clrMapOvr>
+</p:sld>
+</file>
+
+<file path=ppt/slides/slide2.xml><?xml version="1.0" encoding="utf-8"?>
+<p:sld xmlns:a="http://schemas.openxmlformats.org/drawingml/2006/main" xmlns:r="http://schemas.openxmlformats.org/officeDocument/2006/relationships" xmlns:p="http://schemas.openxmlformats.org/presentationml/2006/main">
+  <p:cSld>
+    <p:spTree>
+      <p:nvGrpSpPr>
+        <p:cNvPr id="1" name=""/>
+        <p:cNvGrpSpPr/>
+        <p:nvPr/>
+      </p:nvGrpSpPr>
+      <p:grpSpPr>
+        <a:xfrm>
+          <a:off x="0" y="0"/>
+          <a:ext cx="0" cy="0"/>
+          <a:chOff x="0" y="0"/>
+          <a:chExt cx="0" cy="0"/>
+        </a:xfrm>
+      </p:grpSpPr>
+      <p:sp>
+        <p:nvSpPr>
+          <p:cNvPr id="2" name="Title 1"/>
+          <p:cNvSpPr>
+            <a:spLocks noGrp="1"/>
+          </p:cNvSpPr>
+          <p:nvPr>
+            <p:ph type="ctrTitle"/>
+          </p:nvPr>
+        </p:nvSpPr>
+        <p:spPr>
+          <a:xfrm>
+            <a:off x="1524000" y="3025490"/>
+            <a:ext cx="9144000" cy="807019"/>
+          </a:xfrm>
+        </p:spPr>
+        <p:txBody>
+          <a:bodyPr anchor="ctr">
+            <a:normAutofit/>
+          </a:bodyPr>
+          <a:lstStyle/>
+          <a:p>
+            <a:r>
+              <a:rPr lang="en-US" sz="4800" dirty="0"/>
+              <a:t>TypeScript</a:t>
+            </a:r>
+          </a:p>
+        </p:txBody>
+      </p:sp>
+    </p:spTree>
+    <p:extLst>
+      <p:ext uri="{BB962C8B-B14F-4D97-AF65-F5344CB8AC3E}">
+        <p14:creationId xmlns:p14="http://schemas.microsoft.com/office/powerpoint/2010/main" val="1506833864"/>
+      </p:ext>
+    </p:extLst>
+  </p:cSld>
+  <p:clrMapOvr>
+    <a:masterClrMapping/>
+  </p:clrMapOvr>
+</p:sld>
+</file>
+
+<file path=ppt/slides/slide3.xml><?xml version="1.0" encoding="utf-8"?>
+<p:sld xmlns:a="http://schemas.openxmlformats.org/drawingml/2006/main" xmlns:r="http://schemas.openxmlformats.org/officeDocument/2006/relationships" xmlns:p="http://schemas.openxmlformats.org/presentationml/2006/main">
+  <p:cSld>
+    <p:spTree>
+      <p:nvGrpSpPr>
+        <p:cNvPr id="1" name=""/>
+        <p:cNvGrpSpPr/>
+        <p:nvPr/>
+      </p:nvGrpSpPr>
+      <p:grpSpPr>
+        <a:xfrm>
+          <a:off x="0" y="0"/>
+          <a:ext cx="0" cy="0"/>
+          <a:chOff x="0" y="0"/>
+          <a:chExt cx="0" cy="0"/>
+        </a:xfrm>
+      </p:grpSpPr>
+      <p:sp>
+        <p:nvSpPr>
+          <p:cNvPr id="2" name="Title 1"/>
+          <p:cNvSpPr>
+            <a:spLocks noGrp="1"/>
+          </p:cNvSpPr>
+          <p:nvPr>
+            <p:ph type="ctrTitle"/>
+          </p:nvPr>
+        </p:nvSpPr>
+        <p:spPr>
+          <a:xfrm>
+            <a:off x="1302462" y="3025490"/>
+            <a:ext cx="9587075" cy="807019"/>
+          </a:xfrm>
+        </p:spPr>
+        <p:txBody>
+          <a:bodyPr anchor="ctr">
+            <a:normAutofit/>
+          </a:bodyPr>
+          <a:lstStyle/>
+          <a:p>
+            <a:r>
+              <a:rPr lang="en-US" sz="4800" dirty="0"/>
+              <a:t>Q&amp;A: Principles</a:t>
+            </a:r>
+          </a:p>
+        </p:txBody>
+      </p:sp>
+    </p:spTree>
+    <p:extLst>
+      <p:ext uri="{BB962C8B-B14F-4D97-AF65-F5344CB8AC3E}">
+        <p14:creationId xmlns:p14="http://schemas.microsoft.com/office/powerpoint/2010/main" val="621940081"/>
+      </p:ext>
+    </p:extLst>
+  </p:cSld>
+  <p:clrMapOvr>
+    <a:masterClrMapping/>
+  </p:clrMapOvr>
+</p:sld>
+</file>
+
+<file path=ppt/slides/slide4.xml><?xml version="1.0" encoding="utf-8"?>
+<p:sld xmlns:a="http://schemas.openxmlformats.org/drawingml/2006/main" xmlns:r="http://schemas.openxmlformats.org/officeDocument/2006/relationships" xmlns:p="http://schemas.openxmlformats.org/presentationml/2006/main">
+  <p:cSld>
+    <p:spTree>
+      <p:nvGrpSpPr>
+        <p:cNvPr id="1" name=""/>
+        <p:cNvGrpSpPr/>
+        <p:nvPr/>
+      </p:nvGrpSpPr>
+      <p:grpSpPr>
+        <a:xfrm>
+          <a:off x="0" y="0"/>
+          <a:ext cx="0" cy="0"/>
+          <a:chOff x="0" y="0"/>
+          <a:chExt cx="0" cy="0"/>
+        </a:xfrm>
+      </p:grpSpPr>
+      <p:sp>
+        <p:nvSpPr>
+          <p:cNvPr id="2" name="Title 1"/>
+          <p:cNvSpPr>
+            <a:spLocks noGrp="1"/>
+          </p:cNvSpPr>
+          <p:nvPr>
+            <p:ph type="ctrTitle"/>
+          </p:nvPr>
+        </p:nvSpPr>
+        <p:spPr>
+          <a:xfrm>
+            <a:off x="1302462" y="3025490"/>
+            <a:ext cx="9587075" cy="807019"/>
+          </a:xfrm>
+        </p:spPr>
+        <p:txBody>
+          <a:bodyPr anchor="ctr">
+            <a:normAutofit fontScale="90000"/>
+          </a:bodyPr>
+          <a:lstStyle/>
+          <a:p>
+            <a:r>
+              <a:rPr lang="en-US" sz="4800" dirty="0"/>
+              <a:t>Q&amp;A: More Object-Oriented Programming </a:t>
+            </a:r>
+          </a:p>
+        </p:txBody>
+      </p:sp>
+    </p:spTree>
+    <p:extLst>
+      <p:ext uri="{BB962C8B-B14F-4D97-AF65-F5344CB8AC3E}">
+        <p14:creationId xmlns:p14="http://schemas.microsoft.com/office/powerpoint/2010/main" val="572454644"/>
+      </p:ext>
+    </p:extLst>
+  </p:cSld>
+  <p:clrMapOvr>
+    <a:masterClrMapping/>
+  </p:clrMapOvr>
+</p:sld>
+</file>
+
+<file path=ppt/slides/slide5.xml><?xml version="1.0" encoding="utf-8"?>
+<p:sld xmlns:a="http://schemas.openxmlformats.org/drawingml/2006/main" xmlns:r="http://schemas.openxmlformats.org/officeDocument/2006/relationships" xmlns:p="http://schemas.openxmlformats.org/presentationml/2006/main">
+  <p:cSld>
+    <p:spTree>
+      <p:nvGrpSpPr>
+        <p:cNvPr id="1" name=""/>
+        <p:cNvGrpSpPr/>
+        <p:nvPr/>
+      </p:nvGrpSpPr>
+      <p:grpSpPr>
+        <a:xfrm>
+          <a:off x="0" y="0"/>
+          <a:ext cx="0" cy="0"/>
+          <a:chOff x="0" y="0"/>
+          <a:chExt cx="0" cy="0"/>
+        </a:xfrm>
+      </p:grpSpPr>
+      <p:pic>
+        <p:nvPicPr>
+          <p:cNvPr id="4" name="Picture 3">
+            <a:extLst>
+              <a:ext uri="{FF2B5EF4-FFF2-40B4-BE49-F238E27FC236}">
+                <a16:creationId xmlns:a16="http://schemas.microsoft.com/office/drawing/2014/main" id="{BAD6B545-F0B6-460A-BC7D-40D729608D40}"/>
+              </a:ext>
+            </a:extLst>
+          </p:cNvPr>
+          <p:cNvPicPr>
+            <a:picLocks noChangeAspect="1"/>
+          </p:cNvPicPr>
+          <p:nvPr/>
+        </p:nvPicPr>
+        <p:blipFill>
+          <a:blip r:embed="rId2"/>
+          <a:stretch>
+            <a:fillRect/>
+          </a:stretch>
+        </p:blipFill>
+        <p:spPr>
+          <a:xfrm>
+            <a:off x="4370421" y="0"/>
+            <a:ext cx="5740445" cy="6858000"/>
+          </a:xfrm>
+          <a:prstGeom prst="rect">
+            <a:avLst/>
+          </a:prstGeom>
+        </p:spPr>
+      </p:pic>
+      <p:sp>
+        <p:nvSpPr>
+          <p:cNvPr id="3" name="Title 1">
+            <a:extLst>
+              <a:ext uri="{FF2B5EF4-FFF2-40B4-BE49-F238E27FC236}">
+                <a16:creationId xmlns:a16="http://schemas.microsoft.com/office/drawing/2014/main" id="{3C050F70-9801-468E-A98C-7C118AACCD28}"/>
+              </a:ext>
+            </a:extLst>
+          </p:cNvPr>
+          <p:cNvSpPr>
+            <a:spLocks noGrp="1"/>
+          </p:cNvSpPr>
+          <p:nvPr>
+            <p:ph type="title"/>
+          </p:nvPr>
+        </p:nvSpPr>
+        <p:spPr>
+          <a:xfrm>
+            <a:off x="838200" y="365125"/>
+            <a:ext cx="10515600" cy="1325563"/>
+          </a:xfrm>
+        </p:spPr>
+        <p:txBody>
+          <a:bodyPr/>
+          <a:lstStyle/>
+          <a:p>
+            <a:r>
+              <a:rPr lang="en-US" dirty="0"/>
+              <a:t>UML Phone</a:t>
+            </a:r>
+            <a:br>
+              <a:rPr lang="en-US" dirty="0"/>
+            </a:br>
+            <a:r>
+              <a:rPr lang="en-US" dirty="0"/>
+              <a:t>Example </a:t>
+            </a:r>
+          </a:p>
+        </p:txBody>
+      </p:sp>
+    </p:spTree>
+    <p:extLst>
+      <p:ext uri="{BB962C8B-B14F-4D97-AF65-F5344CB8AC3E}">
+        <p14:creationId xmlns:p14="http://schemas.microsoft.com/office/powerpoint/2010/main" val="1587949635"/>
+      </p:ext>
+    </p:extLst>
+  </p:cSld>
+  <p:clrMapOvr>
+    <a:masterClrMapping/>
+  </p:clrMapOvr>
+</p:sld>
+</file>
+
+<file path=ppt/slides/slide6.xml><?xml version="1.0" encoding="utf-8"?>
+<p:sld xmlns:a="http://schemas.openxmlformats.org/drawingml/2006/main" xmlns:r="http://schemas.openxmlformats.org/officeDocument/2006/relationships" xmlns:p="http://schemas.openxmlformats.org/presentationml/2006/main">
+  <p:cSld>
+    <p:spTree>
+      <p:nvGrpSpPr>
+        <p:cNvPr id="1" name=""/>
+        <p:cNvGrpSpPr/>
+        <p:nvPr/>
+      </p:nvGrpSpPr>
+      <p:grpSpPr>
+        <a:xfrm>
+          <a:off x="0" y="0"/>
+          <a:ext cx="0" cy="0"/>
+          <a:chOff x="0" y="0"/>
+          <a:chExt cx="0" cy="0"/>
+        </a:xfrm>
+      </p:grpSpPr>
+      <p:sp>
+        <p:nvSpPr>
+          <p:cNvPr id="2" name="Title 1">
+            <a:extLst>
+              <a:ext uri="{FF2B5EF4-FFF2-40B4-BE49-F238E27FC236}">
                 <a16:creationId xmlns:a16="http://schemas.microsoft.com/office/drawing/2014/main" id="{443FD3EE-6698-4602-B4C0-718F014616A4}"/>
               </a:ext>
             </a:extLst>
@@ -5009,7 +5735,7 @@
     </p:spTree>
     <p:extLst>
       <p:ext uri="{BB962C8B-B14F-4D97-AF65-F5344CB8AC3E}">
-        <p14:creationId xmlns:p14="http://schemas.microsoft.com/office/powerpoint/2010/main" val="3648762814"/>
+        <p14:creationId xmlns:p14="http://schemas.microsoft.com/office/powerpoint/2010/main" val="1261416447"/>
       </p:ext>
     </p:extLst>
   </p:cSld>
@@ -5143,522 +5869,6 @@
 </p:sld>
 </file>
 
-<file path=ppt/slides/slide11.xml><?xml version="1.0" encoding="utf-8"?>
-<p:sld xmlns:a="http://schemas.openxmlformats.org/drawingml/2006/main" xmlns:r="http://schemas.openxmlformats.org/officeDocument/2006/relationships" xmlns:p="http://schemas.openxmlformats.org/presentationml/2006/main">
-  <p:cSld>
-    <p:spTree>
-      <p:nvGrpSpPr>
-        <p:cNvPr id="1" name=""/>
-        <p:cNvGrpSpPr/>
-        <p:nvPr/>
-      </p:nvGrpSpPr>
-      <p:grpSpPr>
-        <a:xfrm>
-          <a:off x="0" y="0"/>
-          <a:ext cx="0" cy="0"/>
-          <a:chOff x="0" y="0"/>
-          <a:chExt cx="0" cy="0"/>
-        </a:xfrm>
-      </p:grpSpPr>
-      <p:sp>
-        <p:nvSpPr>
-          <p:cNvPr id="2" name="Title 1">
-            <a:extLst>
-              <a:ext uri="{FF2B5EF4-FFF2-40B4-BE49-F238E27FC236}">
-                <a16:creationId xmlns:a16="http://schemas.microsoft.com/office/drawing/2014/main" id="{2A5755BE-860E-40EB-ADA6-6E82BCB49EC3}"/>
-              </a:ext>
-            </a:extLst>
-          </p:cNvPr>
-          <p:cNvSpPr>
-            <a:spLocks noGrp="1"/>
-          </p:cNvSpPr>
-          <p:nvPr>
-            <p:ph type="title"/>
-          </p:nvPr>
-        </p:nvSpPr>
-        <p:spPr>
-          <a:xfrm>
-            <a:off x="838200" y="365125"/>
-            <a:ext cx="10515600" cy="1325563"/>
-          </a:xfrm>
-        </p:spPr>
-        <p:txBody>
-          <a:bodyPr/>
-          <a:lstStyle/>
-          <a:p>
-            <a:r>
-              <a:rPr lang="en-US" dirty="0"/>
-              <a:t>Daily Scrum and Report Out starting at 3:10</a:t>
-            </a:r>
-          </a:p>
-        </p:txBody>
-      </p:sp>
-      <p:sp>
-        <p:nvSpPr>
-          <p:cNvPr id="3" name="Content Placeholder 2">
-            <a:extLst>
-              <a:ext uri="{FF2B5EF4-FFF2-40B4-BE49-F238E27FC236}">
-                <a16:creationId xmlns:a16="http://schemas.microsoft.com/office/drawing/2014/main" id="{72EF5DE0-5958-4171-A9E3-3D288A31AC3F}"/>
-              </a:ext>
-            </a:extLst>
-          </p:cNvPr>
-          <p:cNvSpPr>
-            <a:spLocks noGrp="1"/>
-          </p:cNvSpPr>
-          <p:nvPr>
-            <p:ph idx="1"/>
-          </p:nvPr>
-        </p:nvSpPr>
-        <p:spPr>
-          <a:xfrm>
-            <a:off x="838200" y="1654444"/>
-            <a:ext cx="10515600" cy="4522519"/>
-          </a:xfrm>
-        </p:spPr>
-        <p:txBody>
-          <a:bodyPr>
-            <a:normAutofit/>
-          </a:bodyPr>
-          <a:lstStyle/>
-          <a:p>
-            <a:pPr marL="0" indent="0">
-              <a:buNone/>
-            </a:pPr>
-            <a:r>
-              <a:rPr lang="en-US" sz="2400" dirty="0"/>
-              <a:t>Scrum Master stand up, give your name, your team name, and briefly answer the </a:t>
-            </a:r>
-            <a:r>
-              <a:rPr lang="en-US" sz="2400"/>
-              <a:t>following questions:</a:t>
-            </a:r>
-            <a:endParaRPr lang="en-US" sz="2400" dirty="0"/>
-          </a:p>
-          <a:p>
-            <a:pPr marL="514350" indent="-514350">
-              <a:buFont typeface="+mj-lt"/>
-              <a:buAutoNum type="alphaLcParenR"/>
-            </a:pPr>
-            <a:r>
-              <a:rPr lang="en-US" sz="2400" dirty="0"/>
-              <a:t>What did you accomplish since the last meeting?</a:t>
-            </a:r>
-          </a:p>
-          <a:p>
-            <a:pPr marL="514350" indent="-514350">
-              <a:buFont typeface="+mj-lt"/>
-              <a:buAutoNum type="alphaLcParenR"/>
-            </a:pPr>
-            <a:r>
-              <a:rPr lang="en-US" sz="2400" dirty="0"/>
-              <a:t>What will you working on until the next meeting?</a:t>
-            </a:r>
-          </a:p>
-          <a:p>
-            <a:pPr marL="514350" indent="-514350">
-              <a:buFont typeface="+mj-lt"/>
-              <a:buAutoNum type="alphaLcParenR"/>
-            </a:pPr>
-            <a:r>
-              <a:rPr lang="en-US" sz="2400" dirty="0"/>
-              <a:t>Is the team committed to completing the Sprint 1 assignments? All/Most/Some</a:t>
-            </a:r>
-          </a:p>
-          <a:p>
-            <a:pPr marL="514350" indent="-514350">
-              <a:buFont typeface="+mj-lt"/>
-              <a:buAutoNum type="alphaLcParenR"/>
-            </a:pPr>
-            <a:r>
-              <a:rPr lang="en-US" sz="2400" u="sng" dirty="0"/>
-              <a:t>What is getting in your way or keeping you from completing the assignments?</a:t>
-            </a:r>
-          </a:p>
-          <a:p>
-            <a:pPr marL="0" indent="0">
-              <a:buNone/>
-            </a:pPr>
-            <a:endParaRPr lang="en-US" sz="2000" dirty="0"/>
-          </a:p>
-        </p:txBody>
-      </p:sp>
-    </p:spTree>
-    <p:extLst>
-      <p:ext uri="{BB962C8B-B14F-4D97-AF65-F5344CB8AC3E}">
-        <p14:creationId xmlns:p14="http://schemas.microsoft.com/office/powerpoint/2010/main" val="1850029258"/>
-      </p:ext>
-    </p:extLst>
-  </p:cSld>
-  <p:clrMapOvr>
-    <a:masterClrMapping/>
-  </p:clrMapOvr>
-</p:sld>
-</file>
-
-<file path=ppt/slides/slide12.xml><?xml version="1.0" encoding="utf-8"?>
-<p:sld xmlns:a="http://schemas.openxmlformats.org/drawingml/2006/main" xmlns:r="http://schemas.openxmlformats.org/officeDocument/2006/relationships" xmlns:p="http://schemas.openxmlformats.org/presentationml/2006/main">
-  <p:cSld>
-    <p:bg>
-      <p:bgPr>
-        <a:solidFill>
-          <a:schemeClr val="bg1">
-            <a:lumMod val="85000"/>
-          </a:schemeClr>
-        </a:solidFill>
-        <a:effectLst/>
-      </p:bgPr>
-    </p:bg>
-    <p:spTree>
-      <p:nvGrpSpPr>
-        <p:cNvPr id="1" name=""/>
-        <p:cNvGrpSpPr/>
-        <p:nvPr/>
-      </p:nvGrpSpPr>
-      <p:grpSpPr>
-        <a:xfrm>
-          <a:off x="0" y="0"/>
-          <a:ext cx="0" cy="0"/>
-          <a:chOff x="0" y="0"/>
-          <a:chExt cx="0" cy="0"/>
-        </a:xfrm>
-      </p:grpSpPr>
-      <p:sp>
-        <p:nvSpPr>
-          <p:cNvPr id="2" name="Title 1"/>
-          <p:cNvSpPr>
-            <a:spLocks noGrp="1"/>
-          </p:cNvSpPr>
-          <p:nvPr>
-            <p:ph type="ctrTitle"/>
-          </p:nvPr>
-        </p:nvSpPr>
-        <p:spPr>
-          <a:xfrm>
-            <a:off x="1524000" y="3051480"/>
-            <a:ext cx="9144000" cy="755040"/>
-          </a:xfrm>
-        </p:spPr>
-        <p:txBody>
-          <a:bodyPr anchor="ctr">
-            <a:normAutofit/>
-          </a:bodyPr>
-          <a:lstStyle/>
-          <a:p>
-            <a:r>
-              <a:rPr lang="en-US" sz="4800" dirty="0"/>
-              <a:t>End of Session</a:t>
-            </a:r>
-          </a:p>
-        </p:txBody>
-      </p:sp>
-    </p:spTree>
-    <p:extLst>
-      <p:ext uri="{BB962C8B-B14F-4D97-AF65-F5344CB8AC3E}">
-        <p14:creationId xmlns:p14="http://schemas.microsoft.com/office/powerpoint/2010/main" val="1130818612"/>
-      </p:ext>
-    </p:extLst>
-  </p:cSld>
-  <p:clrMapOvr>
-    <a:masterClrMapping/>
-  </p:clrMapOvr>
-</p:sld>
-</file>
-
-<file path=ppt/slides/slide2.xml><?xml version="1.0" encoding="utf-8"?>
-<p:sld xmlns:a="http://schemas.openxmlformats.org/drawingml/2006/main" xmlns:r="http://schemas.openxmlformats.org/officeDocument/2006/relationships" xmlns:p="http://schemas.openxmlformats.org/presentationml/2006/main">
-  <p:cSld>
-    <p:spTree>
-      <p:nvGrpSpPr>
-        <p:cNvPr id="1" name=""/>
-        <p:cNvGrpSpPr/>
-        <p:nvPr/>
-      </p:nvGrpSpPr>
-      <p:grpSpPr>
-        <a:xfrm>
-          <a:off x="0" y="0"/>
-          <a:ext cx="0" cy="0"/>
-          <a:chOff x="0" y="0"/>
-          <a:chExt cx="0" cy="0"/>
-        </a:xfrm>
-      </p:grpSpPr>
-      <p:sp>
-        <p:nvSpPr>
-          <p:cNvPr id="2" name="Title 1"/>
-          <p:cNvSpPr>
-            <a:spLocks noGrp="1"/>
-          </p:cNvSpPr>
-          <p:nvPr>
-            <p:ph type="ctrTitle"/>
-          </p:nvPr>
-        </p:nvSpPr>
-        <p:spPr>
-          <a:xfrm>
-            <a:off x="1524000" y="3025490"/>
-            <a:ext cx="9144000" cy="807019"/>
-          </a:xfrm>
-        </p:spPr>
-        <p:txBody>
-          <a:bodyPr anchor="ctr">
-            <a:normAutofit/>
-          </a:bodyPr>
-          <a:lstStyle/>
-          <a:p>
-            <a:r>
-              <a:rPr lang="en-US" sz="4800" dirty="0"/>
-              <a:t>TypeScript</a:t>
-            </a:r>
-          </a:p>
-        </p:txBody>
-      </p:sp>
-    </p:spTree>
-    <p:extLst>
-      <p:ext uri="{BB962C8B-B14F-4D97-AF65-F5344CB8AC3E}">
-        <p14:creationId xmlns:p14="http://schemas.microsoft.com/office/powerpoint/2010/main" val="1506833864"/>
-      </p:ext>
-    </p:extLst>
-  </p:cSld>
-  <p:clrMapOvr>
-    <a:masterClrMapping/>
-  </p:clrMapOvr>
-</p:sld>
-</file>
-
-<file path=ppt/slides/slide3.xml><?xml version="1.0" encoding="utf-8"?>
-<p:sld xmlns:a="http://schemas.openxmlformats.org/drawingml/2006/main" xmlns:r="http://schemas.openxmlformats.org/officeDocument/2006/relationships" xmlns:p="http://schemas.openxmlformats.org/presentationml/2006/main">
-  <p:cSld>
-    <p:spTree>
-      <p:nvGrpSpPr>
-        <p:cNvPr id="1" name=""/>
-        <p:cNvGrpSpPr/>
-        <p:nvPr/>
-      </p:nvGrpSpPr>
-      <p:grpSpPr>
-        <a:xfrm>
-          <a:off x="0" y="0"/>
-          <a:ext cx="0" cy="0"/>
-          <a:chOff x="0" y="0"/>
-          <a:chExt cx="0" cy="0"/>
-        </a:xfrm>
-      </p:grpSpPr>
-      <p:sp>
-        <p:nvSpPr>
-          <p:cNvPr id="2" name="Title 1"/>
-          <p:cNvSpPr>
-            <a:spLocks noGrp="1"/>
-          </p:cNvSpPr>
-          <p:nvPr>
-            <p:ph type="ctrTitle"/>
-          </p:nvPr>
-        </p:nvSpPr>
-        <p:spPr>
-          <a:xfrm>
-            <a:off x="1524000" y="3025490"/>
-            <a:ext cx="9144000" cy="807019"/>
-          </a:xfrm>
-        </p:spPr>
-        <p:txBody>
-          <a:bodyPr anchor="ctr">
-            <a:normAutofit/>
-          </a:bodyPr>
-          <a:lstStyle/>
-          <a:p>
-            <a:r>
-              <a:rPr lang="en-US" sz="4800" dirty="0"/>
-              <a:t>Q&amp;A: Sprint 1</a:t>
-            </a:r>
-          </a:p>
-        </p:txBody>
-      </p:sp>
-    </p:spTree>
-    <p:extLst>
-      <p:ext uri="{BB962C8B-B14F-4D97-AF65-F5344CB8AC3E}">
-        <p14:creationId xmlns:p14="http://schemas.microsoft.com/office/powerpoint/2010/main" val="1661887882"/>
-      </p:ext>
-    </p:extLst>
-  </p:cSld>
-  <p:clrMapOvr>
-    <a:masterClrMapping/>
-  </p:clrMapOvr>
-</p:sld>
-</file>
-
-<file path=ppt/slides/slide4.xml><?xml version="1.0" encoding="utf-8"?>
-<p:sld xmlns:a="http://schemas.openxmlformats.org/drawingml/2006/main" xmlns:r="http://schemas.openxmlformats.org/officeDocument/2006/relationships" xmlns:p="http://schemas.openxmlformats.org/presentationml/2006/main">
-  <p:cSld>
-    <p:spTree>
-      <p:nvGrpSpPr>
-        <p:cNvPr id="1" name=""/>
-        <p:cNvGrpSpPr/>
-        <p:nvPr/>
-      </p:nvGrpSpPr>
-      <p:grpSpPr>
-        <a:xfrm>
-          <a:off x="0" y="0"/>
-          <a:ext cx="0" cy="0"/>
-          <a:chOff x="0" y="0"/>
-          <a:chExt cx="0" cy="0"/>
-        </a:xfrm>
-      </p:grpSpPr>
-      <p:sp>
-        <p:nvSpPr>
-          <p:cNvPr id="2" name="Title 1"/>
-          <p:cNvSpPr>
-            <a:spLocks noGrp="1"/>
-          </p:cNvSpPr>
-          <p:nvPr>
-            <p:ph type="ctrTitle"/>
-          </p:nvPr>
-        </p:nvSpPr>
-        <p:spPr>
-          <a:xfrm>
-            <a:off x="1302462" y="3025490"/>
-            <a:ext cx="9587075" cy="807019"/>
-          </a:xfrm>
-        </p:spPr>
-        <p:txBody>
-          <a:bodyPr anchor="ctr">
-            <a:normAutofit/>
-          </a:bodyPr>
-          <a:lstStyle/>
-          <a:p>
-            <a:r>
-              <a:rPr lang="en-US" sz="4800" dirty="0"/>
-              <a:t>Q&amp;A: Patterns</a:t>
-            </a:r>
-          </a:p>
-        </p:txBody>
-      </p:sp>
-    </p:spTree>
-    <p:extLst>
-      <p:ext uri="{BB962C8B-B14F-4D97-AF65-F5344CB8AC3E}">
-        <p14:creationId xmlns:p14="http://schemas.microsoft.com/office/powerpoint/2010/main" val="13933531"/>
-      </p:ext>
-    </p:extLst>
-  </p:cSld>
-  <p:clrMapOvr>
-    <a:masterClrMapping/>
-  </p:clrMapOvr>
-</p:sld>
-</file>
-
-<file path=ppt/slides/slide5.xml><?xml version="1.0" encoding="utf-8"?>
-<p:sld xmlns:a="http://schemas.openxmlformats.org/drawingml/2006/main" xmlns:r="http://schemas.openxmlformats.org/officeDocument/2006/relationships" xmlns:p="http://schemas.openxmlformats.org/presentationml/2006/main">
-  <p:cSld>
-    <p:spTree>
-      <p:nvGrpSpPr>
-        <p:cNvPr id="1" name=""/>
-        <p:cNvGrpSpPr/>
-        <p:nvPr/>
-      </p:nvGrpSpPr>
-      <p:grpSpPr>
-        <a:xfrm>
-          <a:off x="0" y="0"/>
-          <a:ext cx="0" cy="0"/>
-          <a:chOff x="0" y="0"/>
-          <a:chExt cx="0" cy="0"/>
-        </a:xfrm>
-      </p:grpSpPr>
-      <p:sp>
-        <p:nvSpPr>
-          <p:cNvPr id="2" name="Title 1"/>
-          <p:cNvSpPr>
-            <a:spLocks noGrp="1"/>
-          </p:cNvSpPr>
-          <p:nvPr>
-            <p:ph type="ctrTitle"/>
-          </p:nvPr>
-        </p:nvSpPr>
-        <p:spPr>
-          <a:xfrm>
-            <a:off x="1302462" y="3025490"/>
-            <a:ext cx="9587075" cy="807019"/>
-          </a:xfrm>
-        </p:spPr>
-        <p:txBody>
-          <a:bodyPr anchor="ctr">
-            <a:normAutofit/>
-          </a:bodyPr>
-          <a:lstStyle/>
-          <a:p>
-            <a:r>
-              <a:rPr lang="en-US" sz="4800" dirty="0"/>
-              <a:t>Q&amp;A: Principles</a:t>
-            </a:r>
-          </a:p>
-        </p:txBody>
-      </p:sp>
-    </p:spTree>
-    <p:extLst>
-      <p:ext uri="{BB962C8B-B14F-4D97-AF65-F5344CB8AC3E}">
-        <p14:creationId xmlns:p14="http://schemas.microsoft.com/office/powerpoint/2010/main" val="621940081"/>
-      </p:ext>
-    </p:extLst>
-  </p:cSld>
-  <p:clrMapOvr>
-    <a:masterClrMapping/>
-  </p:clrMapOvr>
-</p:sld>
-</file>
-
-<file path=ppt/slides/slide6.xml><?xml version="1.0" encoding="utf-8"?>
-<p:sld xmlns:a="http://schemas.openxmlformats.org/drawingml/2006/main" xmlns:r="http://schemas.openxmlformats.org/officeDocument/2006/relationships" xmlns:p="http://schemas.openxmlformats.org/presentationml/2006/main">
-  <p:cSld>
-    <p:spTree>
-      <p:nvGrpSpPr>
-        <p:cNvPr id="1" name=""/>
-        <p:cNvGrpSpPr/>
-        <p:nvPr/>
-      </p:nvGrpSpPr>
-      <p:grpSpPr>
-        <a:xfrm>
-          <a:off x="0" y="0"/>
-          <a:ext cx="0" cy="0"/>
-          <a:chOff x="0" y="0"/>
-          <a:chExt cx="0" cy="0"/>
-        </a:xfrm>
-      </p:grpSpPr>
-      <p:sp>
-        <p:nvSpPr>
-          <p:cNvPr id="2" name="Title 1"/>
-          <p:cNvSpPr>
-            <a:spLocks noGrp="1"/>
-          </p:cNvSpPr>
-          <p:nvPr>
-            <p:ph type="ctrTitle"/>
-          </p:nvPr>
-        </p:nvSpPr>
-        <p:spPr>
-          <a:xfrm>
-            <a:off x="1302462" y="3025490"/>
-            <a:ext cx="9587075" cy="807019"/>
-          </a:xfrm>
-        </p:spPr>
-        <p:txBody>
-          <a:bodyPr anchor="ctr">
-            <a:normAutofit fontScale="90000"/>
-          </a:bodyPr>
-          <a:lstStyle/>
-          <a:p>
-            <a:r>
-              <a:rPr lang="en-US" sz="4800" dirty="0"/>
-              <a:t>Q&amp;A: More Object-Oriented Programming </a:t>
-            </a:r>
-          </a:p>
-        </p:txBody>
-      </p:sp>
-    </p:spTree>
-    <p:extLst>
-      <p:ext uri="{BB962C8B-B14F-4D97-AF65-F5344CB8AC3E}">
-        <p14:creationId xmlns:p14="http://schemas.microsoft.com/office/powerpoint/2010/main" val="572454644"/>
-      </p:ext>
-    </p:extLst>
-  </p:cSld>
-  <p:clrMapOvr>
-    <a:masterClrMapping/>
-  </p:clrMapOvr>
-</p:sld>
-</file>
-
 <file path=ppt/slides/slide7.xml><?xml version="1.0" encoding="utf-8"?>
 <p:sld xmlns:a="http://schemas.openxmlformats.org/drawingml/2006/main" xmlns:r="http://schemas.openxmlformats.org/officeDocument/2006/relationships" xmlns:p="http://schemas.openxmlformats.org/presentationml/2006/main">
   <p:cSld>
@@ -5688,291 +5898,33 @@
         </p:nvSpPr>
         <p:spPr>
           <a:xfrm>
-            <a:off x="1524000" y="1122365"/>
-            <a:ext cx="9144000" cy="1362127"/>
+            <a:off x="654951" y="3025490"/>
+            <a:ext cx="10013049" cy="807019"/>
           </a:xfrm>
         </p:spPr>
         <p:txBody>
-          <a:bodyPr>
-            <a:normAutofit/>
-          </a:bodyPr>
-          <a:lstStyle/>
-          <a:p>
-            <a:r>
-              <a:rPr lang="en-US" sz="4800" dirty="0"/>
-              <a:t>Lab</a:t>
-            </a:r>
-          </a:p>
-        </p:txBody>
-      </p:sp>
-      <p:sp>
-        <p:nvSpPr>
-          <p:cNvPr id="3" name="Content Placeholder 2">
-            <a:extLst>
-              <a:ext uri="{FF2B5EF4-FFF2-40B4-BE49-F238E27FC236}">
-                <a16:creationId xmlns:a16="http://schemas.microsoft.com/office/drawing/2014/main" id="{384C868E-346E-4359-BF4F-AAEC6F6AA8BC}"/>
-              </a:ext>
-            </a:extLst>
-          </p:cNvPr>
-          <p:cNvSpPr txBox="1">
-            <a:spLocks/>
-          </p:cNvSpPr>
-          <p:nvPr/>
-        </p:nvSpPr>
-        <p:spPr>
-          <a:xfrm>
-            <a:off x="838199" y="2685214"/>
-            <a:ext cx="10515601" cy="3872901"/>
-          </a:xfrm>
-          <a:prstGeom prst="rect">
-            <a:avLst/>
-          </a:prstGeom>
-        </p:spPr>
-        <p:txBody>
-          <a:bodyPr vert="horz" lIns="91440" tIns="45720" rIns="91440" bIns="45720" rtlCol="0">
+          <a:bodyPr anchor="ctr">
             <a:noAutofit/>
           </a:bodyPr>
-          <a:lstStyle>
-            <a:lvl1pPr marL="0" indent="0" algn="ctr" defTabSz="914400" rtl="0" eaLnBrk="1" latinLnBrk="0" hangingPunct="1">
-              <a:lnSpc>
-                <a:spcPct val="90000"/>
-              </a:lnSpc>
-              <a:spcBef>
-                <a:spcPts val="1000"/>
-              </a:spcBef>
-              <a:buFont typeface="Arial" panose="020B0604020202020204" pitchFamily="34" charset="0"/>
-              <a:buNone/>
-              <a:defRPr sz="2400" kern="1200">
-                <a:solidFill>
-                  <a:schemeClr val="tx1"/>
-                </a:solidFill>
-                <a:latin typeface="+mn-lt"/>
-                <a:ea typeface="+mn-ea"/>
-                <a:cs typeface="+mn-cs"/>
-              </a:defRPr>
-            </a:lvl1pPr>
-            <a:lvl2pPr marL="457200" indent="0" algn="ctr" defTabSz="914400" rtl="0" eaLnBrk="1" latinLnBrk="0" hangingPunct="1">
-              <a:lnSpc>
-                <a:spcPct val="90000"/>
-              </a:lnSpc>
-              <a:spcBef>
-                <a:spcPts val="500"/>
-              </a:spcBef>
-              <a:buFont typeface="Arial" panose="020B0604020202020204" pitchFamily="34" charset="0"/>
-              <a:buNone/>
-              <a:defRPr sz="2000" kern="1200">
-                <a:solidFill>
-                  <a:schemeClr val="tx1"/>
-                </a:solidFill>
-                <a:latin typeface="+mn-lt"/>
-                <a:ea typeface="+mn-ea"/>
-                <a:cs typeface="+mn-cs"/>
-              </a:defRPr>
-            </a:lvl2pPr>
-            <a:lvl3pPr marL="914400" indent="0" algn="ctr" defTabSz="914400" rtl="0" eaLnBrk="1" latinLnBrk="0" hangingPunct="1">
-              <a:lnSpc>
-                <a:spcPct val="90000"/>
-              </a:lnSpc>
-              <a:spcBef>
-                <a:spcPts val="500"/>
-              </a:spcBef>
-              <a:buFont typeface="Arial" panose="020B0604020202020204" pitchFamily="34" charset="0"/>
-              <a:buNone/>
-              <a:defRPr sz="1800" kern="1200">
-                <a:solidFill>
-                  <a:schemeClr val="tx1"/>
-                </a:solidFill>
-                <a:latin typeface="+mn-lt"/>
-                <a:ea typeface="+mn-ea"/>
-                <a:cs typeface="+mn-cs"/>
-              </a:defRPr>
-            </a:lvl3pPr>
-            <a:lvl4pPr marL="1371600" indent="0" algn="ctr" defTabSz="914400" rtl="0" eaLnBrk="1" latinLnBrk="0" hangingPunct="1">
-              <a:lnSpc>
-                <a:spcPct val="90000"/>
-              </a:lnSpc>
-              <a:spcBef>
-                <a:spcPts val="500"/>
-              </a:spcBef>
-              <a:buFont typeface="Arial" panose="020B0604020202020204" pitchFamily="34" charset="0"/>
-              <a:buNone/>
-              <a:defRPr sz="1600" kern="1200">
-                <a:solidFill>
-                  <a:schemeClr val="tx1"/>
-                </a:solidFill>
-                <a:latin typeface="+mn-lt"/>
-                <a:ea typeface="+mn-ea"/>
-                <a:cs typeface="+mn-cs"/>
-              </a:defRPr>
-            </a:lvl4pPr>
-            <a:lvl5pPr marL="1828800" indent="0" algn="ctr" defTabSz="914400" rtl="0" eaLnBrk="1" latinLnBrk="0" hangingPunct="1">
-              <a:lnSpc>
-                <a:spcPct val="90000"/>
-              </a:lnSpc>
-              <a:spcBef>
-                <a:spcPts val="500"/>
-              </a:spcBef>
-              <a:buFont typeface="Arial" panose="020B0604020202020204" pitchFamily="34" charset="0"/>
-              <a:buNone/>
-              <a:defRPr sz="1600" kern="1200">
-                <a:solidFill>
-                  <a:schemeClr val="tx1"/>
-                </a:solidFill>
-                <a:latin typeface="+mn-lt"/>
-                <a:ea typeface="+mn-ea"/>
-                <a:cs typeface="+mn-cs"/>
-              </a:defRPr>
-            </a:lvl5pPr>
-            <a:lvl6pPr marL="2286000" indent="0" algn="ctr" defTabSz="914400" rtl="0" eaLnBrk="1" latinLnBrk="0" hangingPunct="1">
-              <a:lnSpc>
-                <a:spcPct val="90000"/>
-              </a:lnSpc>
-              <a:spcBef>
-                <a:spcPts val="500"/>
-              </a:spcBef>
-              <a:buFont typeface="Arial" panose="020B0604020202020204" pitchFamily="34" charset="0"/>
-              <a:buNone/>
-              <a:defRPr sz="1600" kern="1200">
-                <a:solidFill>
-                  <a:schemeClr val="tx1"/>
-                </a:solidFill>
-                <a:latin typeface="+mn-lt"/>
-                <a:ea typeface="+mn-ea"/>
-                <a:cs typeface="+mn-cs"/>
-              </a:defRPr>
-            </a:lvl6pPr>
-            <a:lvl7pPr marL="2743200" indent="0" algn="ctr" defTabSz="914400" rtl="0" eaLnBrk="1" latinLnBrk="0" hangingPunct="1">
-              <a:lnSpc>
-                <a:spcPct val="90000"/>
-              </a:lnSpc>
-              <a:spcBef>
-                <a:spcPts val="500"/>
-              </a:spcBef>
-              <a:buFont typeface="Arial" panose="020B0604020202020204" pitchFamily="34" charset="0"/>
-              <a:buNone/>
-              <a:defRPr sz="1600" kern="1200">
-                <a:solidFill>
-                  <a:schemeClr val="tx1"/>
-                </a:solidFill>
-                <a:latin typeface="+mn-lt"/>
-                <a:ea typeface="+mn-ea"/>
-                <a:cs typeface="+mn-cs"/>
-              </a:defRPr>
-            </a:lvl7pPr>
-            <a:lvl8pPr marL="3200400" indent="0" algn="ctr" defTabSz="914400" rtl="0" eaLnBrk="1" latinLnBrk="0" hangingPunct="1">
-              <a:lnSpc>
-                <a:spcPct val="90000"/>
-              </a:lnSpc>
-              <a:spcBef>
-                <a:spcPts val="500"/>
-              </a:spcBef>
-              <a:buFont typeface="Arial" panose="020B0604020202020204" pitchFamily="34" charset="0"/>
-              <a:buNone/>
-              <a:defRPr sz="1600" kern="1200">
-                <a:solidFill>
-                  <a:schemeClr val="tx1"/>
-                </a:solidFill>
-                <a:latin typeface="+mn-lt"/>
-                <a:ea typeface="+mn-ea"/>
-                <a:cs typeface="+mn-cs"/>
-              </a:defRPr>
-            </a:lvl8pPr>
-            <a:lvl9pPr marL="3657600" indent="0" algn="ctr" defTabSz="914400" rtl="0" eaLnBrk="1" latinLnBrk="0" hangingPunct="1">
-              <a:lnSpc>
-                <a:spcPct val="90000"/>
-              </a:lnSpc>
-              <a:spcBef>
-                <a:spcPts val="500"/>
-              </a:spcBef>
-              <a:buFont typeface="Arial" panose="020B0604020202020204" pitchFamily="34" charset="0"/>
-              <a:buNone/>
-              <a:defRPr sz="1600" kern="1200">
-                <a:solidFill>
-                  <a:schemeClr val="tx1"/>
-                </a:solidFill>
-                <a:latin typeface="+mn-lt"/>
-                <a:ea typeface="+mn-ea"/>
-                <a:cs typeface="+mn-cs"/>
-              </a:defRPr>
-            </a:lvl9pPr>
-          </a:lstStyle>
-          <a:p>
-            <a:pPr algn="l">
-              <a:spcBef>
-                <a:spcPts val="0"/>
-              </a:spcBef>
-            </a:pPr>
-            <a:r>
-              <a:rPr lang="en-US" sz="2000" u="sng" dirty="0"/>
-              <a:t>Activates:</a:t>
-            </a:r>
-          </a:p>
-          <a:p>
-            <a:pPr marL="457200" indent="-457200" algn="l">
-              <a:spcBef>
-                <a:spcPts val="1200"/>
-              </a:spcBef>
-              <a:buFont typeface="+mj-lt"/>
-              <a:buAutoNum type="arabicPeriod"/>
-            </a:pPr>
-            <a:r>
-              <a:rPr lang="en-US" sz="2000" dirty="0"/>
-              <a:t>Work with the members of your Scrum Team to:</a:t>
-            </a:r>
-          </a:p>
-          <a:p>
-            <a:pPr marL="914400" lvl="1" indent="-457200" algn="l">
-              <a:spcBef>
-                <a:spcPts val="0"/>
-              </a:spcBef>
-              <a:buFont typeface="+mj-lt"/>
-              <a:buAutoNum type="alphaUcPeriod"/>
-            </a:pPr>
-            <a:r>
-              <a:rPr lang="en-US" dirty="0"/>
-              <a:t>Discussion: BMI Calculator Plus coding together from last week</a:t>
-            </a:r>
-          </a:p>
-          <a:p>
-            <a:pPr marL="914400" lvl="1" indent="-457200" algn="l">
-              <a:spcBef>
-                <a:spcPts val="0"/>
-              </a:spcBef>
-              <a:buFont typeface="+mj-lt"/>
-              <a:buAutoNum type="alphaUcPeriod"/>
-            </a:pPr>
-            <a:r>
-              <a:rPr lang="en-US" dirty="0"/>
-              <a:t>As a team complete a </a:t>
-            </a:r>
-            <a:r>
-              <a:rPr lang="en-US" u="sng" dirty="0"/>
-              <a:t>Detailed Review</a:t>
-            </a:r>
-            <a:r>
-              <a:rPr lang="en-US" dirty="0"/>
-              <a:t> of our Sprint 2 Activities List, Programming Assignment, Quiz, and Discussion Board </a:t>
-            </a:r>
-          </a:p>
-          <a:p>
-            <a:pPr lvl="1" algn="l">
-              <a:spcBef>
-                <a:spcPts val="0"/>
-              </a:spcBef>
-            </a:pPr>
-            <a:endParaRPr lang="en-US" dirty="0"/>
-          </a:p>
-          <a:p>
-            <a:pPr marL="457200" indent="-457200" algn="l">
-              <a:spcBef>
-                <a:spcPts val="0"/>
-              </a:spcBef>
-              <a:buFont typeface="+mj-lt"/>
-              <a:buAutoNum type="arabicPeriod"/>
-            </a:pPr>
-            <a:r>
-              <a:rPr lang="en-US" sz="2000" dirty="0"/>
-              <a:t>Daily Scrum and Report Out starting at 3:05</a:t>
+          <a:lstStyle/>
+          <a:p>
+            <a:r>
+              <a:rPr lang="en-US" sz="4400" dirty="0"/>
+              <a:t>Review Sprint 2 Activities List, </a:t>
+            </a:r>
+            <a:br>
+              <a:rPr lang="en-US" sz="4400" dirty="0"/>
+            </a:br>
+            <a:r>
+              <a:rPr lang="en-US" sz="4400" dirty="0"/>
+              <a:t>Programming Assignment, </a:t>
+            </a:r>
+            <a:br>
+              <a:rPr lang="en-US" sz="4400" dirty="0"/>
+            </a:br>
+            <a:r>
+              <a:rPr lang="en-US" sz="4400" dirty="0"/>
+              <a:t>and Quiz</a:t>
             </a:r>
           </a:p>
         </p:txBody>
@@ -5980,7 +5932,7 @@
     </p:spTree>
     <p:extLst>
       <p:ext uri="{BB962C8B-B14F-4D97-AF65-F5344CB8AC3E}">
-        <p14:creationId xmlns:p14="http://schemas.microsoft.com/office/powerpoint/2010/main" val="3340901311"/>
+        <p14:creationId xmlns:p14="http://schemas.microsoft.com/office/powerpoint/2010/main" val="3012950400"/>
       </p:ext>
     </p:extLst>
   </p:cSld>
@@ -6019,19 +5971,291 @@
         </p:nvSpPr>
         <p:spPr>
           <a:xfrm>
-            <a:off x="1089475" y="3025490"/>
-            <a:ext cx="10013049" cy="807019"/>
+            <a:off x="1524000" y="1122365"/>
+            <a:ext cx="9144000" cy="1362127"/>
           </a:xfrm>
         </p:spPr>
         <p:txBody>
-          <a:bodyPr anchor="ctr">
+          <a:bodyPr>
+            <a:normAutofit/>
+          </a:bodyPr>
+          <a:lstStyle/>
+          <a:p>
+            <a:r>
+              <a:rPr lang="en-US" sz="4800" dirty="0"/>
+              <a:t>Lab</a:t>
+            </a:r>
+          </a:p>
+        </p:txBody>
+      </p:sp>
+      <p:sp>
+        <p:nvSpPr>
+          <p:cNvPr id="3" name="Content Placeholder 2">
+            <a:extLst>
+              <a:ext uri="{FF2B5EF4-FFF2-40B4-BE49-F238E27FC236}">
+                <a16:creationId xmlns:a16="http://schemas.microsoft.com/office/drawing/2014/main" id="{384C868E-346E-4359-BF4F-AAEC6F6AA8BC}"/>
+              </a:ext>
+            </a:extLst>
+          </p:cNvPr>
+          <p:cNvSpPr txBox="1">
+            <a:spLocks/>
+          </p:cNvSpPr>
+          <p:nvPr/>
+        </p:nvSpPr>
+        <p:spPr>
+          <a:xfrm>
+            <a:off x="838199" y="2685214"/>
+            <a:ext cx="10515601" cy="3872901"/>
+          </a:xfrm>
+          <a:prstGeom prst="rect">
+            <a:avLst/>
+          </a:prstGeom>
+        </p:spPr>
+        <p:txBody>
+          <a:bodyPr vert="horz" lIns="91440" tIns="45720" rIns="91440" bIns="45720" rtlCol="0">
             <a:noAutofit/>
           </a:bodyPr>
-          <a:lstStyle/>
-          <a:p>
-            <a:r>
-              <a:rPr lang="en-US" sz="4800" dirty="0"/>
-              <a:t>Discussion: BMI Calculator Plus</a:t>
+          <a:lstStyle>
+            <a:lvl1pPr marL="0" indent="0" algn="ctr" defTabSz="914400" rtl="0" eaLnBrk="1" latinLnBrk="0" hangingPunct="1">
+              <a:lnSpc>
+                <a:spcPct val="90000"/>
+              </a:lnSpc>
+              <a:spcBef>
+                <a:spcPts val="1000"/>
+              </a:spcBef>
+              <a:buFont typeface="Arial" panose="020B0604020202020204" pitchFamily="34" charset="0"/>
+              <a:buNone/>
+              <a:defRPr sz="2400" kern="1200">
+                <a:solidFill>
+                  <a:schemeClr val="tx1"/>
+                </a:solidFill>
+                <a:latin typeface="+mn-lt"/>
+                <a:ea typeface="+mn-ea"/>
+                <a:cs typeface="+mn-cs"/>
+              </a:defRPr>
+            </a:lvl1pPr>
+            <a:lvl2pPr marL="457200" indent="0" algn="ctr" defTabSz="914400" rtl="0" eaLnBrk="1" latinLnBrk="0" hangingPunct="1">
+              <a:lnSpc>
+                <a:spcPct val="90000"/>
+              </a:lnSpc>
+              <a:spcBef>
+                <a:spcPts val="500"/>
+              </a:spcBef>
+              <a:buFont typeface="Arial" panose="020B0604020202020204" pitchFamily="34" charset="0"/>
+              <a:buNone/>
+              <a:defRPr sz="2000" kern="1200">
+                <a:solidFill>
+                  <a:schemeClr val="tx1"/>
+                </a:solidFill>
+                <a:latin typeface="+mn-lt"/>
+                <a:ea typeface="+mn-ea"/>
+                <a:cs typeface="+mn-cs"/>
+              </a:defRPr>
+            </a:lvl2pPr>
+            <a:lvl3pPr marL="914400" indent="0" algn="ctr" defTabSz="914400" rtl="0" eaLnBrk="1" latinLnBrk="0" hangingPunct="1">
+              <a:lnSpc>
+                <a:spcPct val="90000"/>
+              </a:lnSpc>
+              <a:spcBef>
+                <a:spcPts val="500"/>
+              </a:spcBef>
+              <a:buFont typeface="Arial" panose="020B0604020202020204" pitchFamily="34" charset="0"/>
+              <a:buNone/>
+              <a:defRPr sz="1800" kern="1200">
+                <a:solidFill>
+                  <a:schemeClr val="tx1"/>
+                </a:solidFill>
+                <a:latin typeface="+mn-lt"/>
+                <a:ea typeface="+mn-ea"/>
+                <a:cs typeface="+mn-cs"/>
+              </a:defRPr>
+            </a:lvl3pPr>
+            <a:lvl4pPr marL="1371600" indent="0" algn="ctr" defTabSz="914400" rtl="0" eaLnBrk="1" latinLnBrk="0" hangingPunct="1">
+              <a:lnSpc>
+                <a:spcPct val="90000"/>
+              </a:lnSpc>
+              <a:spcBef>
+                <a:spcPts val="500"/>
+              </a:spcBef>
+              <a:buFont typeface="Arial" panose="020B0604020202020204" pitchFamily="34" charset="0"/>
+              <a:buNone/>
+              <a:defRPr sz="1600" kern="1200">
+                <a:solidFill>
+                  <a:schemeClr val="tx1"/>
+                </a:solidFill>
+                <a:latin typeface="+mn-lt"/>
+                <a:ea typeface="+mn-ea"/>
+                <a:cs typeface="+mn-cs"/>
+              </a:defRPr>
+            </a:lvl4pPr>
+            <a:lvl5pPr marL="1828800" indent="0" algn="ctr" defTabSz="914400" rtl="0" eaLnBrk="1" latinLnBrk="0" hangingPunct="1">
+              <a:lnSpc>
+                <a:spcPct val="90000"/>
+              </a:lnSpc>
+              <a:spcBef>
+                <a:spcPts val="500"/>
+              </a:spcBef>
+              <a:buFont typeface="Arial" panose="020B0604020202020204" pitchFamily="34" charset="0"/>
+              <a:buNone/>
+              <a:defRPr sz="1600" kern="1200">
+                <a:solidFill>
+                  <a:schemeClr val="tx1"/>
+                </a:solidFill>
+                <a:latin typeface="+mn-lt"/>
+                <a:ea typeface="+mn-ea"/>
+                <a:cs typeface="+mn-cs"/>
+              </a:defRPr>
+            </a:lvl5pPr>
+            <a:lvl6pPr marL="2286000" indent="0" algn="ctr" defTabSz="914400" rtl="0" eaLnBrk="1" latinLnBrk="0" hangingPunct="1">
+              <a:lnSpc>
+                <a:spcPct val="90000"/>
+              </a:lnSpc>
+              <a:spcBef>
+                <a:spcPts val="500"/>
+              </a:spcBef>
+              <a:buFont typeface="Arial" panose="020B0604020202020204" pitchFamily="34" charset="0"/>
+              <a:buNone/>
+              <a:defRPr sz="1600" kern="1200">
+                <a:solidFill>
+                  <a:schemeClr val="tx1"/>
+                </a:solidFill>
+                <a:latin typeface="+mn-lt"/>
+                <a:ea typeface="+mn-ea"/>
+                <a:cs typeface="+mn-cs"/>
+              </a:defRPr>
+            </a:lvl6pPr>
+            <a:lvl7pPr marL="2743200" indent="0" algn="ctr" defTabSz="914400" rtl="0" eaLnBrk="1" latinLnBrk="0" hangingPunct="1">
+              <a:lnSpc>
+                <a:spcPct val="90000"/>
+              </a:lnSpc>
+              <a:spcBef>
+                <a:spcPts val="500"/>
+              </a:spcBef>
+              <a:buFont typeface="Arial" panose="020B0604020202020204" pitchFamily="34" charset="0"/>
+              <a:buNone/>
+              <a:defRPr sz="1600" kern="1200">
+                <a:solidFill>
+                  <a:schemeClr val="tx1"/>
+                </a:solidFill>
+                <a:latin typeface="+mn-lt"/>
+                <a:ea typeface="+mn-ea"/>
+                <a:cs typeface="+mn-cs"/>
+              </a:defRPr>
+            </a:lvl7pPr>
+            <a:lvl8pPr marL="3200400" indent="0" algn="ctr" defTabSz="914400" rtl="0" eaLnBrk="1" latinLnBrk="0" hangingPunct="1">
+              <a:lnSpc>
+                <a:spcPct val="90000"/>
+              </a:lnSpc>
+              <a:spcBef>
+                <a:spcPts val="500"/>
+              </a:spcBef>
+              <a:buFont typeface="Arial" panose="020B0604020202020204" pitchFamily="34" charset="0"/>
+              <a:buNone/>
+              <a:defRPr sz="1600" kern="1200">
+                <a:solidFill>
+                  <a:schemeClr val="tx1"/>
+                </a:solidFill>
+                <a:latin typeface="+mn-lt"/>
+                <a:ea typeface="+mn-ea"/>
+                <a:cs typeface="+mn-cs"/>
+              </a:defRPr>
+            </a:lvl8pPr>
+            <a:lvl9pPr marL="3657600" indent="0" algn="ctr" defTabSz="914400" rtl="0" eaLnBrk="1" latinLnBrk="0" hangingPunct="1">
+              <a:lnSpc>
+                <a:spcPct val="90000"/>
+              </a:lnSpc>
+              <a:spcBef>
+                <a:spcPts val="500"/>
+              </a:spcBef>
+              <a:buFont typeface="Arial" panose="020B0604020202020204" pitchFamily="34" charset="0"/>
+              <a:buNone/>
+              <a:defRPr sz="1600" kern="1200">
+                <a:solidFill>
+                  <a:schemeClr val="tx1"/>
+                </a:solidFill>
+                <a:latin typeface="+mn-lt"/>
+                <a:ea typeface="+mn-ea"/>
+                <a:cs typeface="+mn-cs"/>
+              </a:defRPr>
+            </a:lvl9pPr>
+          </a:lstStyle>
+          <a:p>
+            <a:pPr algn="l">
+              <a:spcBef>
+                <a:spcPts val="0"/>
+              </a:spcBef>
+            </a:pPr>
+            <a:r>
+              <a:rPr lang="en-US" sz="2000" u="sng" dirty="0"/>
+              <a:t>Activates:</a:t>
+            </a:r>
+          </a:p>
+          <a:p>
+            <a:pPr marL="457200" indent="-457200" algn="l">
+              <a:spcBef>
+                <a:spcPts val="1200"/>
+              </a:spcBef>
+              <a:buFont typeface="+mj-lt"/>
+              <a:buAutoNum type="arabicPeriod"/>
+            </a:pPr>
+            <a:r>
+              <a:rPr lang="en-US" sz="2000" dirty="0"/>
+              <a:t>Work with the members of your Scrum Team to:</a:t>
+            </a:r>
+          </a:p>
+          <a:p>
+            <a:pPr marL="914400" lvl="1" indent="-457200" algn="l">
+              <a:spcBef>
+                <a:spcPts val="0"/>
+              </a:spcBef>
+              <a:buFont typeface="+mj-lt"/>
+              <a:buAutoNum type="alphaUcPeriod"/>
+            </a:pPr>
+            <a:r>
+              <a:rPr lang="en-US" dirty="0"/>
+              <a:t>Discussion: BMI Calculator Plus coding together from last week</a:t>
+            </a:r>
+          </a:p>
+          <a:p>
+            <a:pPr marL="914400" lvl="1" indent="-457200" algn="l">
+              <a:spcBef>
+                <a:spcPts val="0"/>
+              </a:spcBef>
+              <a:buFont typeface="+mj-lt"/>
+              <a:buAutoNum type="alphaUcPeriod"/>
+            </a:pPr>
+            <a:r>
+              <a:rPr lang="en-US" dirty="0"/>
+              <a:t>As a team complete a </a:t>
+            </a:r>
+            <a:r>
+              <a:rPr lang="en-US" u="sng" dirty="0"/>
+              <a:t>Detailed Review</a:t>
+            </a:r>
+            <a:r>
+              <a:rPr lang="en-US" dirty="0"/>
+              <a:t> of our Sprint 2 Activities List, Programming Assignment, Quiz, and Discussion Board </a:t>
+            </a:r>
+          </a:p>
+          <a:p>
+            <a:pPr lvl="1" algn="l">
+              <a:spcBef>
+                <a:spcPts val="0"/>
+              </a:spcBef>
+            </a:pPr>
+            <a:endParaRPr lang="en-US" dirty="0"/>
+          </a:p>
+          <a:p>
+            <a:pPr marL="457200" indent="-457200" algn="l">
+              <a:spcBef>
+                <a:spcPts val="0"/>
+              </a:spcBef>
+              <a:buFont typeface="+mj-lt"/>
+              <a:buAutoNum type="arabicPeriod"/>
+            </a:pPr>
+            <a:r>
+              <a:rPr lang="en-US" sz="2000" dirty="0"/>
+              <a:t>Daily Scrum and Report Out starting at 3:05</a:t>
             </a:r>
           </a:p>
         </p:txBody>
@@ -6039,7 +6263,7 @@
     </p:spTree>
     <p:extLst>
       <p:ext uri="{BB962C8B-B14F-4D97-AF65-F5344CB8AC3E}">
-        <p14:creationId xmlns:p14="http://schemas.microsoft.com/office/powerpoint/2010/main" val="1983487100"/>
+        <p14:creationId xmlns:p14="http://schemas.microsoft.com/office/powerpoint/2010/main" val="3340901311"/>
       </p:ext>
     </p:extLst>
   </p:cSld>
@@ -6068,79 +6292,37 @@
       </p:grpSpPr>
       <p:sp>
         <p:nvSpPr>
-          <p:cNvPr id="2" name="Title 1">
-            <a:extLst>
-              <a:ext uri="{FF2B5EF4-FFF2-40B4-BE49-F238E27FC236}">
-                <a16:creationId xmlns:a16="http://schemas.microsoft.com/office/drawing/2014/main" id="{E52A0004-AEC1-4D2F-8A7E-370FDC8B4F59}"/>
-              </a:ext>
-            </a:extLst>
-          </p:cNvPr>
-          <p:cNvSpPr>
-            <a:spLocks noGrp="1"/>
-          </p:cNvSpPr>
-          <p:nvPr>
-            <p:ph type="title"/>
+          <p:cNvPr id="2" name="Title 1"/>
+          <p:cNvSpPr>
+            <a:spLocks noGrp="1"/>
+          </p:cNvSpPr>
+          <p:nvPr>
+            <p:ph type="ctrTitle"/>
           </p:nvPr>
         </p:nvSpPr>
         <p:spPr>
           <a:xfrm>
-            <a:off x="5277329" y="640080"/>
-            <a:ext cx="6274590" cy="4018341"/>
+            <a:off x="1089475" y="3025490"/>
+            <a:ext cx="10013049" cy="807019"/>
           </a:xfrm>
-          <a:noFill/>
         </p:spPr>
         <p:txBody>
-          <a:bodyPr vert="horz" lIns="91440" tIns="45720" rIns="91440" bIns="45720" rtlCol="0" anchor="b">
-            <a:normAutofit/>
+          <a:bodyPr anchor="ctr">
+            <a:noAutofit/>
           </a:bodyPr>
           <a:lstStyle/>
           <a:p>
             <a:r>
-              <a:rPr lang="en-US" sz="6000"/>
-              <a:t>BMI Calculator Plus – UML</a:t>
-            </a:r>
-          </a:p>
-        </p:txBody>
-      </p:sp>
-      <p:pic>
-        <p:nvPicPr>
-          <p:cNvPr id="5" name="Picture 4" descr="A close up of text on a whiteboard&#10;&#10;Description automatically generated">
-            <a:extLst>
-              <a:ext uri="{FF2B5EF4-FFF2-40B4-BE49-F238E27FC236}">
-                <a16:creationId xmlns:a16="http://schemas.microsoft.com/office/drawing/2014/main" id="{209B76B0-D4A0-4841-8811-CF57C2FCF540}"/>
-              </a:ext>
-            </a:extLst>
-          </p:cNvPr>
-          <p:cNvPicPr>
-            <a:picLocks noChangeAspect="1"/>
-          </p:cNvPicPr>
-          <p:nvPr/>
-        </p:nvPicPr>
-        <p:blipFill rotWithShape="1">
-          <a:blip r:embed="rId3">
-            <a:extLst>
-              <a:ext uri="{28A0092B-C50C-407E-A947-70E740481C1C}">
-                <a14:useLocalDpi xmlns:a14="http://schemas.microsoft.com/office/drawing/2010/main" val="0"/>
-              </a:ext>
-            </a:extLst>
-          </a:blip>
-          <a:srcRect r="5741"/>
-          <a:stretch/>
-        </p:blipFill>
-        <p:spPr>
-          <a:xfrm>
-            <a:off x="1" y="10"/>
-            <a:ext cx="4654296" cy="6857990"/>
-          </a:xfrm>
-          <a:prstGeom prst="rect">
-            <a:avLst/>
-          </a:prstGeom>
-        </p:spPr>
-      </p:pic>
+              <a:rPr lang="en-US" sz="4800" dirty="0"/>
+              <a:t>Discussion: BMI Calculator Plus</a:t>
+            </a:r>
+          </a:p>
+        </p:txBody>
+      </p:sp>
     </p:spTree>
     <p:extLst>
       <p:ext uri="{BB962C8B-B14F-4D97-AF65-F5344CB8AC3E}">
-        <p14:creationId xmlns:p14="http://schemas.microsoft.com/office/powerpoint/2010/main" val="719920253"/>
+        <p14:creationId xmlns:p14="http://schemas.microsoft.com/office/powerpoint/2010/main" val="1983487100"/>
       </p:ext>
     </p:extLst>
   </p:cSld>
